--- a/第二学年/Report/开题报告/Reference.pptx
+++ b/第二学年/Report/开题报告/Reference.pptx
@@ -11,7 +11,17 @@
     <p:sldId id="258" r:id="rId5"/>
     <p:sldId id="259" r:id="rId6"/>
     <p:sldId id="260" r:id="rId7"/>
-    <p:sldId id="261" r:id="rId8"/>
+    <p:sldId id="262" r:id="rId8"/>
+    <p:sldId id="263" r:id="rId9"/>
+    <p:sldId id="264" r:id="rId10"/>
+    <p:sldId id="261" r:id="rId11"/>
+    <p:sldId id="265" r:id="rId12"/>
+    <p:sldId id="266" r:id="rId13"/>
+    <p:sldId id="267" r:id="rId14"/>
+    <p:sldId id="268" r:id="rId15"/>
+    <p:sldId id="269" r:id="rId16"/>
+    <p:sldId id="270" r:id="rId17"/>
+    <p:sldId id="271" r:id="rId18"/>
   </p:sldIdLst>
   <p:sldSz cx="9144000" cy="6858000" type="screen4x3"/>
   <p:notesSz cx="6858000" cy="9144000"/>
@@ -406,7 +416,7 @@
             <a:fld id="{5A1FB4EE-0320-4CE1-9500-485866F34A8B}" type="datetimeFigureOut">
               <a:rPr lang="zh-CN" altLang="en-US" smtClean="0"/>
               <a:pPr/>
-              <a:t>2020/9/26</a:t>
+              <a:t>2020/9/28</a:t>
             </a:fld>
             <a:endParaRPr lang="zh-CN" altLang="en-US"/>
           </a:p>
@@ -631,7 +641,7 @@
           <a:p>
             <a:fld id="{5A1FB4EE-0320-4CE1-9500-485866F34A8B}" type="datetimeFigureOut">
               <a:rPr lang="zh-CN" altLang="en-US" smtClean="0"/>
-              <a:t>2020/9/26</a:t>
+              <a:t>2020/9/28</a:t>
             </a:fld>
             <a:endParaRPr lang="zh-CN" altLang="en-US"/>
           </a:p>
@@ -1228,7 +1238,7 @@
           <a:p>
             <a:fld id="{C827A8AB-6946-4863-859B-2073AE91FB9E}" type="datetime1">
               <a:rPr lang="zh-CN" altLang="en-US" smtClean="0"/>
-              <a:t>2020/9/26</a:t>
+              <a:t>2020/9/28</a:t>
             </a:fld>
             <a:endParaRPr lang="zh-CN" altLang="en-US"/>
           </a:p>
@@ -1440,7 +1450,7 @@
           <a:p>
             <a:fld id="{12D54472-E10D-4207-BAD4-2EEAECFF6934}" type="datetime1">
               <a:rPr lang="zh-CN" altLang="en-US" smtClean="0"/>
-              <a:t>2020/9/26</a:t>
+              <a:t>2020/9/28</a:t>
             </a:fld>
             <a:endParaRPr lang="zh-CN" altLang="en-US"/>
           </a:p>
@@ -1697,7 +1707,7 @@
           <a:p>
             <a:fld id="{60E9A1BE-C462-484F-B04B-B3AC409DD04D}" type="datetime1">
               <a:rPr lang="zh-CN" altLang="en-US" smtClean="0"/>
-              <a:t>2020/9/26</a:t>
+              <a:t>2020/9/28</a:t>
             </a:fld>
             <a:endParaRPr lang="zh-CN" altLang="en-US"/>
           </a:p>
@@ -1995,7 +2005,7 @@
           <a:p>
             <a:fld id="{F5F4F03D-3D94-424D-9375-B803003DE06A}" type="datetime1">
               <a:rPr lang="zh-CN" altLang="en-US" smtClean="0"/>
-              <a:t>2020/9/26</a:t>
+              <a:t>2020/9/28</a:t>
             </a:fld>
             <a:endParaRPr lang="zh-CN" altLang="en-US"/>
           </a:p>
@@ -2426,7 +2436,7 @@
           <a:p>
             <a:fld id="{B59ADE50-8454-4038-B503-E9BF0A60EA26}" type="datetime1">
               <a:rPr lang="zh-CN" altLang="en-US" smtClean="0"/>
-              <a:t>2020/9/26</a:t>
+              <a:t>2020/9/28</a:t>
             </a:fld>
             <a:endParaRPr lang="zh-CN" altLang="en-US"/>
           </a:p>
@@ -2561,7 +2571,7 @@
           <a:p>
             <a:fld id="{3E32C481-D803-45C2-A90B-6AF9EFA7461B}" type="datetime1">
               <a:rPr lang="zh-CN" altLang="en-US" smtClean="0"/>
-              <a:t>2020/9/26</a:t>
+              <a:t>2020/9/28</a:t>
             </a:fld>
             <a:endParaRPr lang="zh-CN" altLang="en-US"/>
           </a:p>
@@ -2848,7 +2858,7 @@
           <a:p>
             <a:fld id="{B8B7971B-735F-473B-ADD9-556C35CF7531}" type="datetime1">
               <a:rPr lang="zh-CN" altLang="en-US" smtClean="0"/>
-              <a:t>2020/9/26</a:t>
+              <a:t>2020/9/28</a:t>
             </a:fld>
             <a:endParaRPr lang="zh-CN" altLang="en-US"/>
           </a:p>
@@ -3029,7 +3039,7 @@
           <a:p>
             <a:fld id="{5A1FB4EE-0320-4CE1-9500-485866F34A8B}" type="datetimeFigureOut">
               <a:rPr lang="zh-CN" altLang="en-US" smtClean="0"/>
-              <a:t>2020/9/26</a:t>
+              <a:t>2020/9/28</a:t>
             </a:fld>
             <a:endParaRPr lang="zh-CN" altLang="en-US"/>
           </a:p>
@@ -3299,7 +3309,7 @@
           <a:p>
             <a:fld id="{A5013967-B1A6-41BF-BA02-089886C1A162}" type="datetime1">
               <a:rPr lang="zh-CN" altLang="en-US" smtClean="0"/>
-              <a:t>2020/9/26</a:t>
+              <a:t>2020/9/28</a:t>
             </a:fld>
             <a:endParaRPr lang="zh-CN" altLang="en-US"/>
           </a:p>
@@ -3479,7 +3489,7 @@
           <a:p>
             <a:fld id="{12B37374-FA0D-4BFF-90D0-208ABBD8B423}" type="datetime1">
               <a:rPr lang="zh-CN" altLang="en-US" smtClean="0"/>
-              <a:t>2020/9/26</a:t>
+              <a:t>2020/9/28</a:t>
             </a:fld>
             <a:endParaRPr lang="zh-CN" altLang="en-US"/>
           </a:p>
@@ -3669,7 +3679,7 @@
           <a:p>
             <a:fld id="{23249D82-4F33-46CD-9259-4932AD4BEF2E}" type="datetime1">
               <a:rPr lang="zh-CN" altLang="en-US" smtClean="0"/>
-              <a:t>2020/9/26</a:t>
+              <a:t>2020/9/28</a:t>
             </a:fld>
             <a:endParaRPr lang="zh-CN" altLang="en-US"/>
           </a:p>
@@ -4020,7 +4030,7 @@
           <a:p>
             <a:fld id="{10232A94-6601-4080-9AE9-1A28178D7A45}" type="datetime1">
               <a:rPr lang="zh-CN" altLang="en-US" smtClean="0"/>
-              <a:t>2020/9/26</a:t>
+              <a:t>2020/9/28</a:t>
             </a:fld>
             <a:endParaRPr lang="zh-CN" altLang="en-US"/>
           </a:p>
@@ -4277,7 +4287,7 @@
           <a:p>
             <a:fld id="{5A1FB4EE-0320-4CE1-9500-485866F34A8B}" type="datetimeFigureOut">
               <a:rPr lang="zh-CN" altLang="en-US" smtClean="0"/>
-              <a:t>2020/9/26</a:t>
+              <a:t>2020/9/28</a:t>
             </a:fld>
             <a:endParaRPr lang="zh-CN" altLang="en-US"/>
           </a:p>
@@ -4574,7 +4584,7 @@
           <a:p>
             <a:fld id="{5A1FB4EE-0320-4CE1-9500-485866F34A8B}" type="datetimeFigureOut">
               <a:rPr lang="zh-CN" altLang="en-US" smtClean="0"/>
-              <a:t>2020/9/26</a:t>
+              <a:t>2020/9/28</a:t>
             </a:fld>
             <a:endParaRPr lang="zh-CN" altLang="en-US"/>
           </a:p>
@@ -5005,7 +5015,7 @@
           <a:p>
             <a:fld id="{5A1FB4EE-0320-4CE1-9500-485866F34A8B}" type="datetimeFigureOut">
               <a:rPr lang="zh-CN" altLang="en-US" smtClean="0"/>
-              <a:t>2020/9/26</a:t>
+              <a:t>2020/9/28</a:t>
             </a:fld>
             <a:endParaRPr lang="zh-CN" altLang="en-US"/>
           </a:p>
@@ -5140,7 +5150,7 @@
           <a:p>
             <a:fld id="{5A1FB4EE-0320-4CE1-9500-485866F34A8B}" type="datetimeFigureOut">
               <a:rPr lang="zh-CN" altLang="en-US" smtClean="0"/>
-              <a:t>2020/9/26</a:t>
+              <a:t>2020/9/28</a:t>
             </a:fld>
             <a:endParaRPr lang="zh-CN" altLang="en-US"/>
           </a:p>
@@ -5427,7 +5437,7 @@
           <a:p>
             <a:fld id="{5A1FB4EE-0320-4CE1-9500-485866F34A8B}" type="datetimeFigureOut">
               <a:rPr lang="zh-CN" altLang="en-US" smtClean="0"/>
-              <a:t>2020/9/26</a:t>
+              <a:t>2020/9/28</a:t>
             </a:fld>
             <a:endParaRPr lang="zh-CN" altLang="en-US"/>
           </a:p>
@@ -5697,7 +5707,7 @@
           <a:p>
             <a:fld id="{5A1FB4EE-0320-4CE1-9500-485866F34A8B}" type="datetimeFigureOut">
               <a:rPr lang="zh-CN" altLang="en-US" smtClean="0"/>
-              <a:t>2020/9/26</a:t>
+              <a:t>2020/9/28</a:t>
             </a:fld>
             <a:endParaRPr lang="zh-CN" altLang="en-US"/>
           </a:p>
@@ -5877,7 +5887,7 @@
           <a:p>
             <a:fld id="{5A1FB4EE-0320-4CE1-9500-485866F34A8B}" type="datetimeFigureOut">
               <a:rPr lang="zh-CN" altLang="en-US" smtClean="0"/>
-              <a:t>2020/9/26</a:t>
+              <a:t>2020/9/28</a:t>
             </a:fld>
             <a:endParaRPr lang="zh-CN" altLang="en-US"/>
           </a:p>
@@ -6147,7 +6157,7 @@
             <a:fld id="{5A1FB4EE-0320-4CE1-9500-485866F34A8B}" type="datetimeFigureOut">
               <a:rPr lang="zh-CN" altLang="en-US" smtClean="0"/>
               <a:pPr/>
-              <a:t>2020/9/26</a:t>
+              <a:t>2020/9/28</a:t>
             </a:fld>
             <a:endParaRPr lang="zh-CN" altLang="en-US"/>
           </a:p>
@@ -6894,7 +6904,7 @@
           <a:p>
             <a:fld id="{2854FAA1-9BDB-480E-8957-8783F3E8F403}" type="datetime1">
               <a:rPr lang="zh-CN" altLang="en-US" smtClean="0"/>
-              <a:t>2020/9/26</a:t>
+              <a:t>2020/9/28</a:t>
             </a:fld>
             <a:endParaRPr lang="zh-CN" altLang="en-US"/>
           </a:p>
@@ -7507,7 +7517,10 @@
           <a:bodyPr/>
           <a:lstStyle/>
           <a:p>
-            <a:endParaRPr lang="zh-CN" altLang="en-US" dirty="0"/>
+            <a:r>
+              <a:rPr lang="zh-CN" altLang="en-US" dirty="0"/>
+              <a:t>刘苏明</a:t>
+            </a:r>
           </a:p>
         </p:txBody>
       </p:sp>
@@ -7515,6 +7528,3504 @@
     <p:extLst>
       <p:ext uri="{BB962C8B-B14F-4D97-AF65-F5344CB8AC3E}">
         <p14:creationId xmlns:p14="http://schemas.microsoft.com/office/powerpoint/2010/main" val="2745978339"/>
+      </p:ext>
+    </p:extLst>
+  </p:cSld>
+  <p:clrMapOvr>
+    <a:masterClrMapping/>
+  </p:clrMapOvr>
+</p:sld>
+</file>
+
+<file path=ppt/slides/slide10.xml><?xml version="1.0" encoding="utf-8"?>
+<p:sld xmlns:a="http://schemas.openxmlformats.org/drawingml/2006/main" xmlns:r="http://schemas.openxmlformats.org/officeDocument/2006/relationships" xmlns:p="http://schemas.openxmlformats.org/presentationml/2006/main">
+  <p:cSld>
+    <p:spTree>
+      <p:nvGrpSpPr>
+        <p:cNvPr id="1" name=""/>
+        <p:cNvGrpSpPr/>
+        <p:nvPr/>
+      </p:nvGrpSpPr>
+      <p:grpSpPr>
+        <a:xfrm>
+          <a:off x="0" y="0"/>
+          <a:ext cx="0" cy="0"/>
+          <a:chOff x="0" y="0"/>
+          <a:chExt cx="0" cy="0"/>
+        </a:xfrm>
+      </p:grpSpPr>
+      <p:sp>
+        <p:nvSpPr>
+          <p:cNvPr id="2" name="标题 1">
+            <a:extLst>
+              <a:ext uri="{FF2B5EF4-FFF2-40B4-BE49-F238E27FC236}">
+                <a16:creationId xmlns:a16="http://schemas.microsoft.com/office/drawing/2014/main" id="{CC5999B6-661A-49BB-BE70-E126CFF94433}"/>
+              </a:ext>
+            </a:extLst>
+          </p:cNvPr>
+          <p:cNvSpPr>
+            <a:spLocks noGrp="1"/>
+          </p:cNvSpPr>
+          <p:nvPr>
+            <p:ph type="title"/>
+          </p:nvPr>
+        </p:nvSpPr>
+        <p:spPr/>
+        <p:txBody>
+          <a:bodyPr/>
+          <a:lstStyle/>
+          <a:p>
+            <a:r>
+              <a:rPr lang="zh-CN" altLang="en-US" dirty="0"/>
+              <a:t>差分波前传感</a:t>
+            </a:r>
+          </a:p>
+        </p:txBody>
+      </p:sp>
+      <p:pic>
+        <p:nvPicPr>
+          <p:cNvPr id="3" name="图片 2">
+            <a:extLst>
+              <a:ext uri="{FF2B5EF4-FFF2-40B4-BE49-F238E27FC236}">
+                <a16:creationId xmlns:a16="http://schemas.microsoft.com/office/drawing/2014/main" id="{E2577876-6ED4-4262-8D2D-507ECEC2DC09}"/>
+              </a:ext>
+            </a:extLst>
+          </p:cNvPr>
+          <p:cNvPicPr/>
+          <p:nvPr/>
+        </p:nvPicPr>
+        <p:blipFill>
+          <a:blip r:embed="rId3">
+            <a:extLst>
+              <a:ext uri="{28A0092B-C50C-407E-A947-70E740481C1C}">
+                <a14:useLocalDpi xmlns:a14="http://schemas.microsoft.com/office/drawing/2010/main" val="0"/>
+              </a:ext>
+            </a:extLst>
+          </a:blip>
+          <a:srcRect/>
+          <a:stretch>
+            <a:fillRect/>
+          </a:stretch>
+        </p:blipFill>
+        <p:spPr bwMode="auto">
+          <a:xfrm>
+            <a:off x="1580270" y="1249931"/>
+            <a:ext cx="5396230" cy="1606550"/>
+          </a:xfrm>
+          <a:prstGeom prst="rect">
+            <a:avLst/>
+          </a:prstGeom>
+          <a:noFill/>
+          <a:ln>
+            <a:noFill/>
+          </a:ln>
+        </p:spPr>
+      </p:pic>
+      <p:sp>
+        <p:nvSpPr>
+          <p:cNvPr id="4" name="文本框 3">
+            <a:extLst>
+              <a:ext uri="{FF2B5EF4-FFF2-40B4-BE49-F238E27FC236}">
+                <a16:creationId xmlns:a16="http://schemas.microsoft.com/office/drawing/2014/main" id="{E4543643-FE84-4B44-90A0-E4AF3D81A33A}"/>
+              </a:ext>
+            </a:extLst>
+          </p:cNvPr>
+          <p:cNvSpPr txBox="1"/>
+          <p:nvPr/>
+        </p:nvSpPr>
+        <p:spPr>
+          <a:xfrm>
+            <a:off x="1098958" y="3313651"/>
+            <a:ext cx="6258187" cy="369332"/>
+          </a:xfrm>
+          <a:prstGeom prst="rect">
+            <a:avLst/>
+          </a:prstGeom>
+          <a:noFill/>
+        </p:spPr>
+        <p:txBody>
+          <a:bodyPr wrap="square" rtlCol="0">
+            <a:spAutoFit/>
+          </a:bodyPr>
+          <a:lstStyle/>
+          <a:p>
+            <a:r>
+              <a:rPr lang="zh-CN" altLang="en-US" dirty="0"/>
+              <a:t>探测面上任一点</a:t>
+            </a:r>
+            <a:r>
+              <a:rPr lang="en-US" altLang="zh-CN" dirty="0"/>
+              <a:t>y</a:t>
+            </a:r>
+            <a:r>
+              <a:rPr lang="zh-CN" altLang="en-US" dirty="0"/>
+              <a:t>的光程差为</a:t>
+            </a:r>
+            <a:r>
+              <a:rPr lang="en-US" altLang="zh-CN" i="1" dirty="0" err="1"/>
+              <a:t>y</a:t>
+            </a:r>
+            <a:r>
+              <a:rPr lang="en-US" altLang="zh-CN" dirty="0" err="1"/>
+              <a:t>sin</a:t>
+            </a:r>
+            <a:r>
+              <a:rPr lang="en-US" altLang="zh-CN" dirty="0"/>
+              <a:t>α</a:t>
+            </a:r>
+            <a:r>
+              <a:rPr lang="zh-CN" altLang="en-US" dirty="0"/>
+              <a:t>，一二象限的平均相位为</a:t>
+            </a:r>
+          </a:p>
+        </p:txBody>
+      </p:sp>
+      <p:graphicFrame>
+        <p:nvGraphicFramePr>
+          <p:cNvPr id="6" name="对象 5">
+            <a:extLst>
+              <a:ext uri="{FF2B5EF4-FFF2-40B4-BE49-F238E27FC236}">
+                <a16:creationId xmlns:a16="http://schemas.microsoft.com/office/drawing/2014/main" id="{8FEF03AC-5E17-4279-8C4E-37B2A93EFEB9}"/>
+              </a:ext>
+            </a:extLst>
+          </p:cNvPr>
+          <p:cNvGraphicFramePr>
+            <a:graphicFrameLocks noChangeAspect="1"/>
+          </p:cNvGraphicFramePr>
+          <p:nvPr>
+            <p:extLst>
+              <p:ext uri="{D42A27DB-BD31-4B8C-83A1-F6EECF244321}">
+                <p14:modId xmlns:p14="http://schemas.microsoft.com/office/powerpoint/2010/main" val="76113664"/>
+              </p:ext>
+            </p:extLst>
+          </p:nvPr>
+        </p:nvGraphicFramePr>
+        <p:xfrm>
+          <a:off x="2332777" y="3741703"/>
+          <a:ext cx="4643723" cy="922791"/>
+        </p:xfrm>
+        <a:graphic>
+          <a:graphicData uri="http://schemas.openxmlformats.org/presentationml/2006/ole">
+            <mc:AlternateContent xmlns:mc="http://schemas.openxmlformats.org/markup-compatibility/2006">
+              <mc:Choice xmlns:v="urn:schemas-microsoft-com:vml" Requires="v">
+                <p:oleObj spid="_x0000_s2057" name="Equation" r:id="rId4" imgW="2971800" imgH="584200" progId="Equation.DSMT4">
+                  <p:embed/>
+                </p:oleObj>
+              </mc:Choice>
+              <mc:Fallback>
+                <p:oleObj name="Equation" r:id="rId4" imgW="2971800" imgH="584200" progId="Equation.DSMT4">
+                  <p:embed/>
+                  <p:pic>
+                    <p:nvPicPr>
+                      <p:cNvPr id="0" name="Object 1"/>
+                      <p:cNvPicPr>
+                        <a:picLocks noChangeAspect="1" noChangeArrowheads="1"/>
+                      </p:cNvPicPr>
+                      <p:nvPr/>
+                    </p:nvPicPr>
+                    <p:blipFill>
+                      <a:blip r:embed="rId5">
+                        <a:extLst>
+                          <a:ext uri="{28A0092B-C50C-407E-A947-70E740481C1C}">
+                            <a14:useLocalDpi xmlns:a14="http://schemas.microsoft.com/office/drawing/2010/main" val="0"/>
+                          </a:ext>
+                        </a:extLst>
+                      </a:blip>
+                      <a:srcRect/>
+                      <a:stretch>
+                        <a:fillRect/>
+                      </a:stretch>
+                    </p:blipFill>
+                    <p:spPr bwMode="auto">
+                      <a:xfrm>
+                        <a:off x="2332777" y="3741703"/>
+                        <a:ext cx="4643723" cy="922791"/>
+                      </a:xfrm>
+                      <a:prstGeom prst="rect">
+                        <a:avLst/>
+                      </a:prstGeom>
+                      <a:noFill/>
+                    </p:spPr>
+                  </p:pic>
+                </p:oleObj>
+              </mc:Fallback>
+            </mc:AlternateContent>
+          </a:graphicData>
+        </a:graphic>
+      </p:graphicFrame>
+      <p:sp>
+        <p:nvSpPr>
+          <p:cNvPr id="7" name="文本框 6">
+            <a:extLst>
+              <a:ext uri="{FF2B5EF4-FFF2-40B4-BE49-F238E27FC236}">
+                <a16:creationId xmlns:a16="http://schemas.microsoft.com/office/drawing/2014/main" id="{0FF210F3-DDEA-47F8-9610-22EDEBB807F5}"/>
+              </a:ext>
+            </a:extLst>
+          </p:cNvPr>
+          <p:cNvSpPr txBox="1"/>
+          <p:nvPr/>
+        </p:nvSpPr>
+        <p:spPr>
+          <a:xfrm>
+            <a:off x="1216404" y="4798503"/>
+            <a:ext cx="5821959" cy="369332"/>
+          </a:xfrm>
+          <a:prstGeom prst="rect">
+            <a:avLst/>
+          </a:prstGeom>
+          <a:noFill/>
+        </p:spPr>
+        <p:txBody>
+          <a:bodyPr wrap="square" rtlCol="0">
+            <a:spAutoFit/>
+          </a:bodyPr>
+          <a:lstStyle/>
+          <a:p>
+            <a:r>
+              <a:rPr lang="zh-CN" altLang="en-US" dirty="0"/>
+              <a:t>三四象限的平均相位为</a:t>
+            </a:r>
+          </a:p>
+        </p:txBody>
+      </p:sp>
+      <p:sp>
+        <p:nvSpPr>
+          <p:cNvPr id="8" name="Rectangle 4">
+            <a:extLst>
+              <a:ext uri="{FF2B5EF4-FFF2-40B4-BE49-F238E27FC236}">
+                <a16:creationId xmlns:a16="http://schemas.microsoft.com/office/drawing/2014/main" id="{60058FB6-5482-43AE-9479-9C2393AFE9A6}"/>
+              </a:ext>
+            </a:extLst>
+          </p:cNvPr>
+          <p:cNvSpPr>
+            <a:spLocks noChangeArrowheads="1"/>
+          </p:cNvSpPr>
+          <p:nvPr/>
+        </p:nvSpPr>
+        <p:spPr bwMode="auto">
+          <a:xfrm>
+            <a:off x="0" y="0"/>
+            <a:ext cx="9144000" cy="0"/>
+          </a:xfrm>
+          <a:prstGeom prst="rect">
+            <a:avLst/>
+          </a:prstGeom>
+          <a:noFill/>
+          <a:ln>
+            <a:noFill/>
+          </a:ln>
+          <a:effectLst/>
+          <a:extLst>
+            <a:ext uri="{909E8E84-426E-40DD-AFC4-6F175D3DCCD1}">
+              <a14:hiddenFill xmlns:a14="http://schemas.microsoft.com/office/drawing/2010/main">
+                <a:solidFill>
+                  <a:schemeClr val="accent1"/>
+                </a:solidFill>
+              </a14:hiddenFill>
+            </a:ext>
+            <a:ext uri="{91240B29-F687-4F45-9708-019B960494DF}">
+              <a14:hiddenLine xmlns:a14="http://schemas.microsoft.com/office/drawing/2010/main" w="9525">
+                <a:solidFill>
+                  <a:schemeClr val="tx1"/>
+                </a:solidFill>
+                <a:miter lim="800000"/>
+                <a:headEnd/>
+                <a:tailEnd/>
+              </a14:hiddenLine>
+            </a:ext>
+            <a:ext uri="{AF507438-7753-43E0-B8FC-AC1667EBCBE1}">
+              <a14:hiddenEffects xmlns:a14="http://schemas.microsoft.com/office/drawing/2010/main">
+                <a:effectLst>
+                  <a:outerShdw dist="35921" dir="2700000" algn="ctr" rotWithShape="0">
+                    <a:schemeClr val="bg2"/>
+                  </a:outerShdw>
+                </a:effectLst>
+              </a14:hiddenEffects>
+            </a:ext>
+          </a:extLst>
+        </p:spPr>
+        <p:txBody>
+          <a:bodyPr vert="horz" wrap="none" lIns="91440" tIns="45720" rIns="91440" bIns="45720" numCol="1" anchor="ctr" anchorCtr="0" compatLnSpc="1">
+            <a:prstTxWarp prst="textNoShape">
+              <a:avLst/>
+            </a:prstTxWarp>
+            <a:spAutoFit/>
+          </a:bodyPr>
+          <a:lstStyle/>
+          <a:p>
+            <a:endParaRPr lang="zh-CN" altLang="en-US"/>
+          </a:p>
+        </p:txBody>
+      </p:sp>
+      <p:graphicFrame>
+        <p:nvGraphicFramePr>
+          <p:cNvPr id="9" name="对象 8">
+            <a:extLst>
+              <a:ext uri="{FF2B5EF4-FFF2-40B4-BE49-F238E27FC236}">
+                <a16:creationId xmlns:a16="http://schemas.microsoft.com/office/drawing/2014/main" id="{B216CCB6-4BBA-4D7F-8088-D54ECA8ECDFF}"/>
+              </a:ext>
+            </a:extLst>
+          </p:cNvPr>
+          <p:cNvGraphicFramePr>
+            <a:graphicFrameLocks noChangeAspect="1"/>
+          </p:cNvGraphicFramePr>
+          <p:nvPr>
+            <p:extLst>
+              <p:ext uri="{D42A27DB-BD31-4B8C-83A1-F6EECF244321}">
+                <p14:modId xmlns:p14="http://schemas.microsoft.com/office/powerpoint/2010/main" val="13426682"/>
+              </p:ext>
+            </p:extLst>
+          </p:nvPr>
+        </p:nvGraphicFramePr>
+        <p:xfrm>
+          <a:off x="2332777" y="5347807"/>
+          <a:ext cx="4355707" cy="818345"/>
+        </p:xfrm>
+        <a:graphic>
+          <a:graphicData uri="http://schemas.openxmlformats.org/presentationml/2006/ole">
+            <mc:AlternateContent xmlns:mc="http://schemas.openxmlformats.org/markup-compatibility/2006">
+              <mc:Choice xmlns:v="urn:schemas-microsoft-com:vml" Requires="v">
+                <p:oleObj spid="_x0000_s2058" name="Equation" r:id="rId6" imgW="3136900" imgH="584200" progId="Equation.DSMT4">
+                  <p:embed/>
+                </p:oleObj>
+              </mc:Choice>
+              <mc:Fallback>
+                <p:oleObj name="Equation" r:id="rId6" imgW="3136900" imgH="584200" progId="Equation.DSMT4">
+                  <p:embed/>
+                  <p:pic>
+                    <p:nvPicPr>
+                      <p:cNvPr id="0" name="Object 3"/>
+                      <p:cNvPicPr>
+                        <a:picLocks noChangeAspect="1" noChangeArrowheads="1"/>
+                      </p:cNvPicPr>
+                      <p:nvPr/>
+                    </p:nvPicPr>
+                    <p:blipFill>
+                      <a:blip r:embed="rId7">
+                        <a:extLst>
+                          <a:ext uri="{28A0092B-C50C-407E-A947-70E740481C1C}">
+                            <a14:useLocalDpi xmlns:a14="http://schemas.microsoft.com/office/drawing/2010/main" val="0"/>
+                          </a:ext>
+                        </a:extLst>
+                      </a:blip>
+                      <a:srcRect/>
+                      <a:stretch>
+                        <a:fillRect/>
+                      </a:stretch>
+                    </p:blipFill>
+                    <p:spPr bwMode="auto">
+                      <a:xfrm>
+                        <a:off x="2332777" y="5347807"/>
+                        <a:ext cx="4355707" cy="818345"/>
+                      </a:xfrm>
+                      <a:prstGeom prst="rect">
+                        <a:avLst/>
+                      </a:prstGeom>
+                      <a:noFill/>
+                    </p:spPr>
+                  </p:pic>
+                </p:oleObj>
+              </mc:Fallback>
+            </mc:AlternateContent>
+          </a:graphicData>
+        </a:graphic>
+      </p:graphicFrame>
+    </p:spTree>
+    <p:extLst>
+      <p:ext uri="{BB962C8B-B14F-4D97-AF65-F5344CB8AC3E}">
+        <p14:creationId xmlns:p14="http://schemas.microsoft.com/office/powerpoint/2010/main" val="781120601"/>
+      </p:ext>
+    </p:extLst>
+  </p:cSld>
+  <p:clrMapOvr>
+    <a:masterClrMapping/>
+  </p:clrMapOvr>
+</p:sld>
+</file>
+
+<file path=ppt/slides/slide11.xml><?xml version="1.0" encoding="utf-8"?>
+<p:sld xmlns:a="http://schemas.openxmlformats.org/drawingml/2006/main" xmlns:r="http://schemas.openxmlformats.org/officeDocument/2006/relationships" xmlns:p="http://schemas.openxmlformats.org/presentationml/2006/main">
+  <p:cSld>
+    <p:spTree>
+      <p:nvGrpSpPr>
+        <p:cNvPr id="1" name=""/>
+        <p:cNvGrpSpPr/>
+        <p:nvPr/>
+      </p:nvGrpSpPr>
+      <p:grpSpPr>
+        <a:xfrm>
+          <a:off x="0" y="0"/>
+          <a:ext cx="0" cy="0"/>
+          <a:chOff x="0" y="0"/>
+          <a:chExt cx="0" cy="0"/>
+        </a:xfrm>
+      </p:grpSpPr>
+      <p:sp>
+        <p:nvSpPr>
+          <p:cNvPr id="2" name="标题 1">
+            <a:extLst>
+              <a:ext uri="{FF2B5EF4-FFF2-40B4-BE49-F238E27FC236}">
+                <a16:creationId xmlns:a16="http://schemas.microsoft.com/office/drawing/2014/main" id="{4C42A33B-1308-460F-928E-E186BB43F553}"/>
+              </a:ext>
+            </a:extLst>
+          </p:cNvPr>
+          <p:cNvSpPr>
+            <a:spLocks noGrp="1"/>
+          </p:cNvSpPr>
+          <p:nvPr>
+            <p:ph type="title"/>
+          </p:nvPr>
+        </p:nvSpPr>
+        <p:spPr/>
+        <p:txBody>
+          <a:bodyPr/>
+          <a:lstStyle/>
+          <a:p>
+            <a:r>
+              <a:rPr lang="zh-CN" altLang="en-US" dirty="0"/>
+              <a:t>差分波前传感</a:t>
+            </a:r>
+          </a:p>
+        </p:txBody>
+      </p:sp>
+      <p:pic>
+        <p:nvPicPr>
+          <p:cNvPr id="3" name="图片 2">
+            <a:extLst>
+              <a:ext uri="{FF2B5EF4-FFF2-40B4-BE49-F238E27FC236}">
+                <a16:creationId xmlns:a16="http://schemas.microsoft.com/office/drawing/2014/main" id="{4E0486C0-7855-4F67-908B-6E55992ACF86}"/>
+              </a:ext>
+            </a:extLst>
+          </p:cNvPr>
+          <p:cNvPicPr/>
+          <p:nvPr/>
+        </p:nvPicPr>
+        <p:blipFill>
+          <a:blip r:embed="rId3">
+            <a:extLst>
+              <a:ext uri="{28A0092B-C50C-407E-A947-70E740481C1C}">
+                <a14:useLocalDpi xmlns:a14="http://schemas.microsoft.com/office/drawing/2010/main" val="0"/>
+              </a:ext>
+            </a:extLst>
+          </a:blip>
+          <a:srcRect/>
+          <a:stretch>
+            <a:fillRect/>
+          </a:stretch>
+        </p:blipFill>
+        <p:spPr bwMode="auto">
+          <a:xfrm>
+            <a:off x="1512729" y="1266709"/>
+            <a:ext cx="5396230" cy="1606550"/>
+          </a:xfrm>
+          <a:prstGeom prst="rect">
+            <a:avLst/>
+          </a:prstGeom>
+          <a:noFill/>
+          <a:ln>
+            <a:noFill/>
+          </a:ln>
+        </p:spPr>
+      </p:pic>
+      <p:sp>
+        <p:nvSpPr>
+          <p:cNvPr id="5" name="Rectangle 2">
+            <a:extLst>
+              <a:ext uri="{FF2B5EF4-FFF2-40B4-BE49-F238E27FC236}">
+                <a16:creationId xmlns:a16="http://schemas.microsoft.com/office/drawing/2014/main" id="{FD3D3E13-BD98-4BB6-A731-C609EC582BCF}"/>
+              </a:ext>
+            </a:extLst>
+          </p:cNvPr>
+          <p:cNvSpPr>
+            <a:spLocks noChangeArrowheads="1"/>
+          </p:cNvSpPr>
+          <p:nvPr/>
+        </p:nvSpPr>
+        <p:spPr bwMode="auto">
+          <a:xfrm>
+            <a:off x="1954635" y="2971800"/>
+            <a:ext cx="9144000" cy="0"/>
+          </a:xfrm>
+          <a:prstGeom prst="rect">
+            <a:avLst/>
+          </a:prstGeom>
+          <a:noFill/>
+          <a:ln>
+            <a:noFill/>
+          </a:ln>
+          <a:effectLst/>
+          <a:extLst>
+            <a:ext uri="{909E8E84-426E-40DD-AFC4-6F175D3DCCD1}">
+              <a14:hiddenFill xmlns:a14="http://schemas.microsoft.com/office/drawing/2010/main">
+                <a:solidFill>
+                  <a:schemeClr val="accent1"/>
+                </a:solidFill>
+              </a14:hiddenFill>
+            </a:ext>
+            <a:ext uri="{91240B29-F687-4F45-9708-019B960494DF}">
+              <a14:hiddenLine xmlns:a14="http://schemas.microsoft.com/office/drawing/2010/main" w="9525">
+                <a:solidFill>
+                  <a:schemeClr val="tx1"/>
+                </a:solidFill>
+                <a:miter lim="800000"/>
+                <a:headEnd/>
+                <a:tailEnd/>
+              </a14:hiddenLine>
+            </a:ext>
+            <a:ext uri="{AF507438-7753-43E0-B8FC-AC1667EBCBE1}">
+              <a14:hiddenEffects xmlns:a14="http://schemas.microsoft.com/office/drawing/2010/main">
+                <a:effectLst>
+                  <a:outerShdw dist="35921" dir="2700000" algn="ctr" rotWithShape="0">
+                    <a:schemeClr val="bg2"/>
+                  </a:outerShdw>
+                </a:effectLst>
+              </a14:hiddenEffects>
+            </a:ext>
+          </a:extLst>
+        </p:spPr>
+        <p:txBody>
+          <a:bodyPr vert="horz" wrap="none" lIns="91440" tIns="45720" rIns="91440" bIns="45720" numCol="1" anchor="ctr" anchorCtr="0" compatLnSpc="1">
+            <a:prstTxWarp prst="textNoShape">
+              <a:avLst/>
+            </a:prstTxWarp>
+            <a:spAutoFit/>
+          </a:bodyPr>
+          <a:lstStyle/>
+          <a:p>
+            <a:endParaRPr lang="zh-CN" altLang="en-US"/>
+          </a:p>
+        </p:txBody>
+      </p:sp>
+      <p:graphicFrame>
+        <p:nvGraphicFramePr>
+          <p:cNvPr id="6" name="对象 5">
+            <a:extLst>
+              <a:ext uri="{FF2B5EF4-FFF2-40B4-BE49-F238E27FC236}">
+                <a16:creationId xmlns:a16="http://schemas.microsoft.com/office/drawing/2014/main" id="{8400F342-C21B-476B-98DA-4A6E59934519}"/>
+              </a:ext>
+            </a:extLst>
+          </p:cNvPr>
+          <p:cNvGraphicFramePr>
+            <a:graphicFrameLocks noChangeAspect="1"/>
+          </p:cNvGraphicFramePr>
+          <p:nvPr>
+            <p:extLst>
+              <p:ext uri="{D42A27DB-BD31-4B8C-83A1-F6EECF244321}">
+                <p14:modId xmlns:p14="http://schemas.microsoft.com/office/powerpoint/2010/main" val="4142399485"/>
+              </p:ext>
+            </p:extLst>
+          </p:nvPr>
+        </p:nvGraphicFramePr>
+        <p:xfrm>
+          <a:off x="2389997" y="3317643"/>
+          <a:ext cx="3641694" cy="719347"/>
+        </p:xfrm>
+        <a:graphic>
+          <a:graphicData uri="http://schemas.openxmlformats.org/presentationml/2006/ole">
+            <mc:AlternateContent xmlns:mc="http://schemas.openxmlformats.org/markup-compatibility/2006">
+              <mc:Choice xmlns:v="urn:schemas-microsoft-com:vml" Requires="v">
+                <p:oleObj spid="_x0000_s3082" name="Equation" r:id="rId4" imgW="2311400" imgH="457200" progId="Equation.DSMT4">
+                  <p:embed/>
+                </p:oleObj>
+              </mc:Choice>
+              <mc:Fallback>
+                <p:oleObj name="Equation" r:id="rId4" imgW="2311400" imgH="457200" progId="Equation.DSMT4">
+                  <p:embed/>
+                  <p:pic>
+                    <p:nvPicPr>
+                      <p:cNvPr id="0" name="Object 1"/>
+                      <p:cNvPicPr>
+                        <a:picLocks noChangeAspect="1" noChangeArrowheads="1"/>
+                      </p:cNvPicPr>
+                      <p:nvPr/>
+                    </p:nvPicPr>
+                    <p:blipFill>
+                      <a:blip r:embed="rId5">
+                        <a:extLst>
+                          <a:ext uri="{28A0092B-C50C-407E-A947-70E740481C1C}">
+                            <a14:useLocalDpi xmlns:a14="http://schemas.microsoft.com/office/drawing/2010/main" val="0"/>
+                          </a:ext>
+                        </a:extLst>
+                      </a:blip>
+                      <a:srcRect/>
+                      <a:stretch>
+                        <a:fillRect/>
+                      </a:stretch>
+                    </p:blipFill>
+                    <p:spPr bwMode="auto">
+                      <a:xfrm>
+                        <a:off x="2389997" y="3317643"/>
+                        <a:ext cx="3641694" cy="719347"/>
+                      </a:xfrm>
+                      <a:prstGeom prst="rect">
+                        <a:avLst/>
+                      </a:prstGeom>
+                      <a:noFill/>
+                    </p:spPr>
+                  </p:pic>
+                </p:oleObj>
+              </mc:Fallback>
+            </mc:AlternateContent>
+          </a:graphicData>
+        </a:graphic>
+      </p:graphicFrame>
+      <p:sp>
+        <p:nvSpPr>
+          <p:cNvPr id="7" name="文本框 6">
+            <a:extLst>
+              <a:ext uri="{FF2B5EF4-FFF2-40B4-BE49-F238E27FC236}">
+                <a16:creationId xmlns:a16="http://schemas.microsoft.com/office/drawing/2014/main" id="{54B1A112-5D00-4FC7-84BF-80F7A0372AA1}"/>
+              </a:ext>
+            </a:extLst>
+          </p:cNvPr>
+          <p:cNvSpPr txBox="1"/>
+          <p:nvPr/>
+        </p:nvSpPr>
+        <p:spPr>
+          <a:xfrm>
+            <a:off x="1512729" y="4198166"/>
+            <a:ext cx="3797502" cy="369332"/>
+          </a:xfrm>
+          <a:prstGeom prst="rect">
+            <a:avLst/>
+          </a:prstGeom>
+          <a:noFill/>
+        </p:spPr>
+        <p:txBody>
+          <a:bodyPr wrap="square" rtlCol="0">
+            <a:spAutoFit/>
+          </a:bodyPr>
+          <a:lstStyle/>
+          <a:p>
+            <a:r>
+              <a:rPr lang="zh-CN" altLang="en-US" dirty="0"/>
+              <a:t>所以光束偏转通过相位差算得</a:t>
+            </a:r>
+          </a:p>
+        </p:txBody>
+      </p:sp>
+      <p:graphicFrame>
+        <p:nvGraphicFramePr>
+          <p:cNvPr id="9" name="对象 8">
+            <a:extLst>
+              <a:ext uri="{FF2B5EF4-FFF2-40B4-BE49-F238E27FC236}">
+                <a16:creationId xmlns:a16="http://schemas.microsoft.com/office/drawing/2014/main" id="{755C81D9-B13E-49D8-B4AE-B935290860AF}"/>
+              </a:ext>
+            </a:extLst>
+          </p:cNvPr>
+          <p:cNvGraphicFramePr>
+            <a:graphicFrameLocks noChangeAspect="1"/>
+          </p:cNvGraphicFramePr>
+          <p:nvPr>
+            <p:extLst>
+              <p:ext uri="{D42A27DB-BD31-4B8C-83A1-F6EECF244321}">
+                <p14:modId xmlns:p14="http://schemas.microsoft.com/office/powerpoint/2010/main" val="2075739550"/>
+              </p:ext>
+            </p:extLst>
+          </p:nvPr>
+        </p:nvGraphicFramePr>
+        <p:xfrm>
+          <a:off x="3842157" y="4598819"/>
+          <a:ext cx="1249960" cy="664536"/>
+        </p:xfrm>
+        <a:graphic>
+          <a:graphicData uri="http://schemas.openxmlformats.org/presentationml/2006/ole">
+            <mc:AlternateContent xmlns:mc="http://schemas.openxmlformats.org/markup-compatibility/2006">
+              <mc:Choice xmlns:v="urn:schemas-microsoft-com:vml" Requires="v">
+                <p:oleObj spid="_x0000_s3083" name="Equation" r:id="rId6" imgW="748975" imgH="393529" progId="Equation.DSMT4">
+                  <p:embed/>
+                </p:oleObj>
+              </mc:Choice>
+              <mc:Fallback>
+                <p:oleObj name="Equation" r:id="rId6" imgW="748975" imgH="393529" progId="Equation.DSMT4">
+                  <p:embed/>
+                  <p:pic>
+                    <p:nvPicPr>
+                      <p:cNvPr id="0" name="Object 4"/>
+                      <p:cNvPicPr>
+                        <a:picLocks noChangeAspect="1" noChangeArrowheads="1"/>
+                      </p:cNvPicPr>
+                      <p:nvPr/>
+                    </p:nvPicPr>
+                    <p:blipFill>
+                      <a:blip r:embed="rId7">
+                        <a:extLst>
+                          <a:ext uri="{28A0092B-C50C-407E-A947-70E740481C1C}">
+                            <a14:useLocalDpi xmlns:a14="http://schemas.microsoft.com/office/drawing/2010/main" val="0"/>
+                          </a:ext>
+                        </a:extLst>
+                      </a:blip>
+                      <a:srcRect/>
+                      <a:stretch>
+                        <a:fillRect/>
+                      </a:stretch>
+                    </p:blipFill>
+                    <p:spPr bwMode="auto">
+                      <a:xfrm>
+                        <a:off x="3842157" y="4598819"/>
+                        <a:ext cx="1249960" cy="664536"/>
+                      </a:xfrm>
+                      <a:prstGeom prst="rect">
+                        <a:avLst/>
+                      </a:prstGeom>
+                      <a:noFill/>
+                    </p:spPr>
+                  </p:pic>
+                </p:oleObj>
+              </mc:Fallback>
+            </mc:AlternateContent>
+          </a:graphicData>
+        </a:graphic>
+      </p:graphicFrame>
+      <p:sp>
+        <p:nvSpPr>
+          <p:cNvPr id="10" name="文本框 9">
+            <a:extLst>
+              <a:ext uri="{FF2B5EF4-FFF2-40B4-BE49-F238E27FC236}">
+                <a16:creationId xmlns:a16="http://schemas.microsoft.com/office/drawing/2014/main" id="{E1C5A4EB-EAE4-4960-91F7-BC58259D59C2}"/>
+              </a:ext>
+            </a:extLst>
+          </p:cNvPr>
+          <p:cNvSpPr txBox="1"/>
+          <p:nvPr/>
+        </p:nvSpPr>
+        <p:spPr>
+          <a:xfrm>
+            <a:off x="1512729" y="5569239"/>
+            <a:ext cx="6658134" cy="646331"/>
+          </a:xfrm>
+          <a:prstGeom prst="rect">
+            <a:avLst/>
+          </a:prstGeom>
+          <a:noFill/>
+        </p:spPr>
+        <p:txBody>
+          <a:bodyPr wrap="square" rtlCol="0">
+            <a:spAutoFit/>
+          </a:bodyPr>
+          <a:lstStyle/>
+          <a:p>
+            <a:r>
+              <a:rPr lang="zh-CN" altLang="en-US" dirty="0"/>
+              <a:t>但是这只是比较理想的情况，实际情况中，偏转角在其它方向也有分量，且光束交点可能不会在探测面上。</a:t>
+            </a:r>
+          </a:p>
+        </p:txBody>
+      </p:sp>
+    </p:spTree>
+    <p:extLst>
+      <p:ext uri="{BB962C8B-B14F-4D97-AF65-F5344CB8AC3E}">
+        <p14:creationId xmlns:p14="http://schemas.microsoft.com/office/powerpoint/2010/main" val="4079335753"/>
+      </p:ext>
+    </p:extLst>
+  </p:cSld>
+  <p:clrMapOvr>
+    <a:masterClrMapping/>
+  </p:clrMapOvr>
+</p:sld>
+</file>
+
+<file path=ppt/slides/slide12.xml><?xml version="1.0" encoding="utf-8"?>
+<p:sld xmlns:a="http://schemas.openxmlformats.org/drawingml/2006/main" xmlns:r="http://schemas.openxmlformats.org/officeDocument/2006/relationships" xmlns:p="http://schemas.openxmlformats.org/presentationml/2006/main">
+  <p:cSld>
+    <p:spTree>
+      <p:nvGrpSpPr>
+        <p:cNvPr id="1" name=""/>
+        <p:cNvGrpSpPr/>
+        <p:nvPr/>
+      </p:nvGrpSpPr>
+      <p:grpSpPr>
+        <a:xfrm>
+          <a:off x="0" y="0"/>
+          <a:ext cx="0" cy="0"/>
+          <a:chOff x="0" y="0"/>
+          <a:chExt cx="0" cy="0"/>
+        </a:xfrm>
+      </p:grpSpPr>
+      <p:sp>
+        <p:nvSpPr>
+          <p:cNvPr id="2" name="标题 1">
+            <a:extLst>
+              <a:ext uri="{FF2B5EF4-FFF2-40B4-BE49-F238E27FC236}">
+                <a16:creationId xmlns:a16="http://schemas.microsoft.com/office/drawing/2014/main" id="{8DF31A47-0E0B-4FD8-AD7A-19F28EEEF8C5}"/>
+              </a:ext>
+            </a:extLst>
+          </p:cNvPr>
+          <p:cNvSpPr>
+            <a:spLocks noGrp="1"/>
+          </p:cNvSpPr>
+          <p:nvPr>
+            <p:ph type="title"/>
+          </p:nvPr>
+        </p:nvSpPr>
+        <p:spPr/>
+        <p:txBody>
+          <a:bodyPr/>
+          <a:lstStyle/>
+          <a:p>
+            <a:r>
+              <a:rPr lang="zh-CN" altLang="en-US" dirty="0"/>
+              <a:t>差分波前传感</a:t>
+            </a:r>
+          </a:p>
+        </p:txBody>
+      </p:sp>
+      <p:sp>
+        <p:nvSpPr>
+          <p:cNvPr id="3" name="文本框 2">
+            <a:extLst>
+              <a:ext uri="{FF2B5EF4-FFF2-40B4-BE49-F238E27FC236}">
+                <a16:creationId xmlns:a16="http://schemas.microsoft.com/office/drawing/2014/main" id="{F07AA349-BA09-4580-90DC-1E14EAC73513}"/>
+              </a:ext>
+            </a:extLst>
+          </p:cNvPr>
+          <p:cNvSpPr txBox="1"/>
+          <p:nvPr/>
+        </p:nvSpPr>
+        <p:spPr>
+          <a:xfrm>
+            <a:off x="343104" y="1426128"/>
+            <a:ext cx="7920038" cy="646331"/>
+          </a:xfrm>
+          <a:prstGeom prst="rect">
+            <a:avLst/>
+          </a:prstGeom>
+          <a:noFill/>
+        </p:spPr>
+        <p:txBody>
+          <a:bodyPr wrap="square" rtlCol="0">
+            <a:spAutoFit/>
+          </a:bodyPr>
+          <a:lstStyle/>
+          <a:p>
+            <a:r>
+              <a:rPr lang="zh-CN" altLang="en-US" dirty="0"/>
+              <a:t>一般使用</a:t>
+            </a:r>
+            <a:r>
+              <a:rPr lang="en-US" altLang="zh-CN" dirty="0"/>
+              <a:t>QPD</a:t>
+            </a:r>
+            <a:r>
+              <a:rPr lang="zh-CN" altLang="en-US" dirty="0"/>
+              <a:t>作为差分波前传感器，因为它噪声低，灵敏度高。但受限于象限尺寸，无法探测到大偏角的干涉光信号。</a:t>
+            </a:r>
+          </a:p>
+        </p:txBody>
+      </p:sp>
+      <p:graphicFrame>
+        <p:nvGraphicFramePr>
+          <p:cNvPr id="5" name="对象 4">
+            <a:extLst>
+              <a:ext uri="{FF2B5EF4-FFF2-40B4-BE49-F238E27FC236}">
+                <a16:creationId xmlns:a16="http://schemas.microsoft.com/office/drawing/2014/main" id="{BD72B63D-CEE3-4B0A-B56D-12FE39F754B3}"/>
+              </a:ext>
+            </a:extLst>
+          </p:cNvPr>
+          <p:cNvGraphicFramePr>
+            <a:graphicFrameLocks noChangeAspect="1"/>
+          </p:cNvGraphicFramePr>
+          <p:nvPr>
+            <p:extLst>
+              <p:ext uri="{D42A27DB-BD31-4B8C-83A1-F6EECF244321}">
+                <p14:modId xmlns:p14="http://schemas.microsoft.com/office/powerpoint/2010/main" val="2370249232"/>
+              </p:ext>
+            </p:extLst>
+          </p:nvPr>
+        </p:nvGraphicFramePr>
+        <p:xfrm>
+          <a:off x="1812776" y="2946823"/>
+          <a:ext cx="4911894" cy="503339"/>
+        </p:xfrm>
+        <a:graphic>
+          <a:graphicData uri="http://schemas.openxmlformats.org/presentationml/2006/ole">
+            <mc:AlternateContent xmlns:mc="http://schemas.openxmlformats.org/markup-compatibility/2006">
+              <mc:Choice xmlns:v="urn:schemas-microsoft-com:vml" Requires="v">
+                <p:oleObj spid="_x0000_s4109" name="Equation" r:id="rId3" imgW="2692400" imgH="279400" progId="Equation.DSMT4">
+                  <p:embed/>
+                </p:oleObj>
+              </mc:Choice>
+              <mc:Fallback>
+                <p:oleObj name="Equation" r:id="rId3" imgW="2692400" imgH="279400" progId="Equation.DSMT4">
+                  <p:embed/>
+                  <p:pic>
+                    <p:nvPicPr>
+                      <p:cNvPr id="0" name="Object 1"/>
+                      <p:cNvPicPr>
+                        <a:picLocks noChangeAspect="1" noChangeArrowheads="1"/>
+                      </p:cNvPicPr>
+                      <p:nvPr/>
+                    </p:nvPicPr>
+                    <p:blipFill>
+                      <a:blip r:embed="rId4">
+                        <a:extLst>
+                          <a:ext uri="{28A0092B-C50C-407E-A947-70E740481C1C}">
+                            <a14:useLocalDpi xmlns:a14="http://schemas.microsoft.com/office/drawing/2010/main" val="0"/>
+                          </a:ext>
+                        </a:extLst>
+                      </a:blip>
+                      <a:srcRect/>
+                      <a:stretch>
+                        <a:fillRect/>
+                      </a:stretch>
+                    </p:blipFill>
+                    <p:spPr bwMode="auto">
+                      <a:xfrm>
+                        <a:off x="1812776" y="2946823"/>
+                        <a:ext cx="4911894" cy="503339"/>
+                      </a:xfrm>
+                      <a:prstGeom prst="rect">
+                        <a:avLst/>
+                      </a:prstGeom>
+                      <a:noFill/>
+                    </p:spPr>
+                  </p:pic>
+                </p:oleObj>
+              </mc:Fallback>
+            </mc:AlternateContent>
+          </a:graphicData>
+        </a:graphic>
+      </p:graphicFrame>
+      <p:graphicFrame>
+        <p:nvGraphicFramePr>
+          <p:cNvPr id="7" name="对象 6">
+            <a:extLst>
+              <a:ext uri="{FF2B5EF4-FFF2-40B4-BE49-F238E27FC236}">
+                <a16:creationId xmlns:a16="http://schemas.microsoft.com/office/drawing/2014/main" id="{87C1A9B7-DA6F-41A0-88F2-FEC2EC647749}"/>
+              </a:ext>
+            </a:extLst>
+          </p:cNvPr>
+          <p:cNvGraphicFramePr>
+            <a:graphicFrameLocks noChangeAspect="1"/>
+          </p:cNvGraphicFramePr>
+          <p:nvPr>
+            <p:extLst>
+              <p:ext uri="{D42A27DB-BD31-4B8C-83A1-F6EECF244321}">
+                <p14:modId xmlns:p14="http://schemas.microsoft.com/office/powerpoint/2010/main" val="3806221983"/>
+              </p:ext>
+            </p:extLst>
+          </p:nvPr>
+        </p:nvGraphicFramePr>
+        <p:xfrm>
+          <a:off x="880217" y="3998885"/>
+          <a:ext cx="7180745" cy="1157680"/>
+        </p:xfrm>
+        <a:graphic>
+          <a:graphicData uri="http://schemas.openxmlformats.org/presentationml/2006/ole">
+            <mc:AlternateContent xmlns:mc="http://schemas.openxmlformats.org/markup-compatibility/2006">
+              <mc:Choice xmlns:v="urn:schemas-microsoft-com:vml" Requires="v">
+                <p:oleObj spid="_x0000_s4110" name="Equation" r:id="rId5" imgW="4381500" imgH="711200" progId="Equation.DSMT4">
+                  <p:embed/>
+                </p:oleObj>
+              </mc:Choice>
+              <mc:Fallback>
+                <p:oleObj name="Equation" r:id="rId5" imgW="4381500" imgH="711200" progId="Equation.DSMT4">
+                  <p:embed/>
+                  <p:pic>
+                    <p:nvPicPr>
+                      <p:cNvPr id="0" name="Object 3"/>
+                      <p:cNvPicPr>
+                        <a:picLocks noChangeAspect="1" noChangeArrowheads="1"/>
+                      </p:cNvPicPr>
+                      <p:nvPr/>
+                    </p:nvPicPr>
+                    <p:blipFill>
+                      <a:blip r:embed="rId6">
+                        <a:extLst>
+                          <a:ext uri="{28A0092B-C50C-407E-A947-70E740481C1C}">
+                            <a14:useLocalDpi xmlns:a14="http://schemas.microsoft.com/office/drawing/2010/main" val="0"/>
+                          </a:ext>
+                        </a:extLst>
+                      </a:blip>
+                      <a:srcRect/>
+                      <a:stretch>
+                        <a:fillRect/>
+                      </a:stretch>
+                    </p:blipFill>
+                    <p:spPr bwMode="auto">
+                      <a:xfrm>
+                        <a:off x="880217" y="3998885"/>
+                        <a:ext cx="7180745" cy="1157680"/>
+                      </a:xfrm>
+                      <a:prstGeom prst="rect">
+                        <a:avLst/>
+                      </a:prstGeom>
+                      <a:noFill/>
+                    </p:spPr>
+                  </p:pic>
+                </p:oleObj>
+              </mc:Fallback>
+            </mc:AlternateContent>
+          </a:graphicData>
+        </a:graphic>
+      </p:graphicFrame>
+      <p:sp>
+        <p:nvSpPr>
+          <p:cNvPr id="8" name="文本框 7">
+            <a:extLst>
+              <a:ext uri="{FF2B5EF4-FFF2-40B4-BE49-F238E27FC236}">
+                <a16:creationId xmlns:a16="http://schemas.microsoft.com/office/drawing/2014/main" id="{E42148F3-BB6C-4EF6-9B04-D286F701948D}"/>
+              </a:ext>
+            </a:extLst>
+          </p:cNvPr>
+          <p:cNvSpPr txBox="1"/>
+          <p:nvPr/>
+        </p:nvSpPr>
+        <p:spPr>
+          <a:xfrm>
+            <a:off x="343104" y="3487156"/>
+            <a:ext cx="7180745" cy="369332"/>
+          </a:xfrm>
+          <a:prstGeom prst="rect">
+            <a:avLst/>
+          </a:prstGeom>
+          <a:noFill/>
+        </p:spPr>
+        <p:txBody>
+          <a:bodyPr wrap="square" rtlCol="0">
+            <a:spAutoFit/>
+          </a:bodyPr>
+          <a:lstStyle/>
+          <a:p>
+            <a:r>
+              <a:rPr lang="zh-CN" altLang="en-US" dirty="0"/>
+              <a:t>干涉光功率为</a:t>
+            </a:r>
+          </a:p>
+        </p:txBody>
+      </p:sp>
+      <p:sp>
+        <p:nvSpPr>
+          <p:cNvPr id="9" name="文本框 8">
+            <a:extLst>
+              <a:ext uri="{FF2B5EF4-FFF2-40B4-BE49-F238E27FC236}">
+                <a16:creationId xmlns:a16="http://schemas.microsoft.com/office/drawing/2014/main" id="{11E65B9C-E351-486E-AC39-ADAF7D13F556}"/>
+              </a:ext>
+            </a:extLst>
+          </p:cNvPr>
+          <p:cNvSpPr txBox="1"/>
+          <p:nvPr/>
+        </p:nvSpPr>
+        <p:spPr>
+          <a:xfrm>
+            <a:off x="343104" y="2499919"/>
+            <a:ext cx="2088859" cy="369332"/>
+          </a:xfrm>
+          <a:prstGeom prst="rect">
+            <a:avLst/>
+          </a:prstGeom>
+          <a:noFill/>
+        </p:spPr>
+        <p:txBody>
+          <a:bodyPr wrap="square" rtlCol="0">
+            <a:spAutoFit/>
+          </a:bodyPr>
+          <a:lstStyle/>
+          <a:p>
+            <a:r>
+              <a:rPr lang="zh-CN" altLang="en-US" dirty="0"/>
+              <a:t>使用复数表示光</a:t>
+            </a:r>
+          </a:p>
+        </p:txBody>
+      </p:sp>
+      <p:sp>
+        <p:nvSpPr>
+          <p:cNvPr id="10" name="文本框 9">
+            <a:extLst>
+              <a:ext uri="{FF2B5EF4-FFF2-40B4-BE49-F238E27FC236}">
+                <a16:creationId xmlns:a16="http://schemas.microsoft.com/office/drawing/2014/main" id="{D0BB8AC3-576D-4D95-9A67-9962A21DDA09}"/>
+              </a:ext>
+            </a:extLst>
+          </p:cNvPr>
+          <p:cNvSpPr txBox="1"/>
+          <p:nvPr/>
+        </p:nvSpPr>
+        <p:spPr>
+          <a:xfrm>
+            <a:off x="343104" y="5350843"/>
+            <a:ext cx="3313652" cy="369332"/>
+          </a:xfrm>
+          <a:prstGeom prst="rect">
+            <a:avLst/>
+          </a:prstGeom>
+          <a:noFill/>
+        </p:spPr>
+        <p:txBody>
+          <a:bodyPr wrap="square" rtlCol="0">
+            <a:spAutoFit/>
+          </a:bodyPr>
+          <a:lstStyle/>
+          <a:p>
+            <a:r>
+              <a:rPr lang="zh-CN" altLang="en-US" dirty="0"/>
+              <a:t>交流项可以表示为</a:t>
+            </a:r>
+          </a:p>
+        </p:txBody>
+      </p:sp>
+      <p:graphicFrame>
+        <p:nvGraphicFramePr>
+          <p:cNvPr id="12" name="对象 11">
+            <a:extLst>
+              <a:ext uri="{FF2B5EF4-FFF2-40B4-BE49-F238E27FC236}">
+                <a16:creationId xmlns:a16="http://schemas.microsoft.com/office/drawing/2014/main" id="{2AC81B78-8D7E-40FC-AF24-6C28CDB0B5A4}"/>
+              </a:ext>
+            </a:extLst>
+          </p:cNvPr>
+          <p:cNvGraphicFramePr>
+            <a:graphicFrameLocks noChangeAspect="1"/>
+          </p:cNvGraphicFramePr>
+          <p:nvPr>
+            <p:extLst>
+              <p:ext uri="{D42A27DB-BD31-4B8C-83A1-F6EECF244321}">
+                <p14:modId xmlns:p14="http://schemas.microsoft.com/office/powerpoint/2010/main" val="2443543325"/>
+              </p:ext>
+            </p:extLst>
+          </p:nvPr>
+        </p:nvGraphicFramePr>
+        <p:xfrm>
+          <a:off x="1040235" y="5914454"/>
+          <a:ext cx="4877365" cy="570452"/>
+        </p:xfrm>
+        <a:graphic>
+          <a:graphicData uri="http://schemas.openxmlformats.org/presentationml/2006/ole">
+            <mc:AlternateContent xmlns:mc="http://schemas.openxmlformats.org/markup-compatibility/2006">
+              <mc:Choice xmlns:v="urn:schemas-microsoft-com:vml" Requires="v">
+                <p:oleObj spid="_x0000_s4111" name="Equation" r:id="rId7" imgW="3263900" imgH="381000" progId="Equation.DSMT4">
+                  <p:embed/>
+                </p:oleObj>
+              </mc:Choice>
+              <mc:Fallback>
+                <p:oleObj name="Equation" r:id="rId7" imgW="3263900" imgH="381000" progId="Equation.DSMT4">
+                  <p:embed/>
+                  <p:pic>
+                    <p:nvPicPr>
+                      <p:cNvPr id="0" name="Object 5"/>
+                      <p:cNvPicPr>
+                        <a:picLocks noChangeAspect="1" noChangeArrowheads="1"/>
+                      </p:cNvPicPr>
+                      <p:nvPr/>
+                    </p:nvPicPr>
+                    <p:blipFill>
+                      <a:blip r:embed="rId8">
+                        <a:extLst>
+                          <a:ext uri="{28A0092B-C50C-407E-A947-70E740481C1C}">
+                            <a14:useLocalDpi xmlns:a14="http://schemas.microsoft.com/office/drawing/2010/main" val="0"/>
+                          </a:ext>
+                        </a:extLst>
+                      </a:blip>
+                      <a:srcRect/>
+                      <a:stretch>
+                        <a:fillRect/>
+                      </a:stretch>
+                    </p:blipFill>
+                    <p:spPr bwMode="auto">
+                      <a:xfrm>
+                        <a:off x="1040235" y="5914454"/>
+                        <a:ext cx="4877365" cy="570452"/>
+                      </a:xfrm>
+                      <a:prstGeom prst="rect">
+                        <a:avLst/>
+                      </a:prstGeom>
+                      <a:noFill/>
+                    </p:spPr>
+                  </p:pic>
+                </p:oleObj>
+              </mc:Fallback>
+            </mc:AlternateContent>
+          </a:graphicData>
+        </a:graphic>
+      </p:graphicFrame>
+    </p:spTree>
+    <p:extLst>
+      <p:ext uri="{BB962C8B-B14F-4D97-AF65-F5344CB8AC3E}">
+        <p14:creationId xmlns:p14="http://schemas.microsoft.com/office/powerpoint/2010/main" val="4006800959"/>
+      </p:ext>
+    </p:extLst>
+  </p:cSld>
+  <p:clrMapOvr>
+    <a:masterClrMapping/>
+  </p:clrMapOvr>
+</p:sld>
+</file>
+
+<file path=ppt/slides/slide13.xml><?xml version="1.0" encoding="utf-8"?>
+<p:sld xmlns:a="http://schemas.openxmlformats.org/drawingml/2006/main" xmlns:r="http://schemas.openxmlformats.org/officeDocument/2006/relationships" xmlns:p="http://schemas.openxmlformats.org/presentationml/2006/main">
+  <p:cSld>
+    <p:spTree>
+      <p:nvGrpSpPr>
+        <p:cNvPr id="1" name=""/>
+        <p:cNvGrpSpPr/>
+        <p:nvPr/>
+      </p:nvGrpSpPr>
+      <p:grpSpPr>
+        <a:xfrm>
+          <a:off x="0" y="0"/>
+          <a:ext cx="0" cy="0"/>
+          <a:chOff x="0" y="0"/>
+          <a:chExt cx="0" cy="0"/>
+        </a:xfrm>
+      </p:grpSpPr>
+      <p:sp>
+        <p:nvSpPr>
+          <p:cNvPr id="2" name="标题 1">
+            <a:extLst>
+              <a:ext uri="{FF2B5EF4-FFF2-40B4-BE49-F238E27FC236}">
+                <a16:creationId xmlns:a16="http://schemas.microsoft.com/office/drawing/2014/main" id="{E5874523-EE9F-4825-87AD-DD9CC52DC0B9}"/>
+              </a:ext>
+            </a:extLst>
+          </p:cNvPr>
+          <p:cNvSpPr>
+            <a:spLocks noGrp="1"/>
+          </p:cNvSpPr>
+          <p:nvPr>
+            <p:ph type="title"/>
+          </p:nvPr>
+        </p:nvSpPr>
+        <p:spPr/>
+        <p:txBody>
+          <a:bodyPr/>
+          <a:lstStyle/>
+          <a:p>
+            <a:r>
+              <a:rPr lang="zh-CN" altLang="en-US" dirty="0"/>
+              <a:t>差分波前传感技术</a:t>
+            </a:r>
+          </a:p>
+        </p:txBody>
+      </p:sp>
+      <p:grpSp>
+        <p:nvGrpSpPr>
+          <p:cNvPr id="3" name="组合 2">
+            <a:extLst>
+              <a:ext uri="{FF2B5EF4-FFF2-40B4-BE49-F238E27FC236}">
+                <a16:creationId xmlns:a16="http://schemas.microsoft.com/office/drawing/2014/main" id="{18E6F8F9-509F-46A1-9661-FF8F81DF7D90}"/>
+              </a:ext>
+            </a:extLst>
+          </p:cNvPr>
+          <p:cNvGrpSpPr>
+            <a:grpSpLocks noChangeAspect="1"/>
+          </p:cNvGrpSpPr>
+          <p:nvPr/>
+        </p:nvGrpSpPr>
+        <p:grpSpPr bwMode="auto">
+          <a:xfrm>
+            <a:off x="5192704" y="981776"/>
+            <a:ext cx="3188704" cy="2818437"/>
+            <a:chOff x="0" y="0"/>
+            <a:chExt cx="4140" cy="3660"/>
+          </a:xfrm>
+        </p:grpSpPr>
+        <p:sp>
+          <p:nvSpPr>
+            <p:cNvPr id="4" name="Freeform 72">
+              <a:extLst>
+                <a:ext uri="{FF2B5EF4-FFF2-40B4-BE49-F238E27FC236}">
+                  <a16:creationId xmlns:a16="http://schemas.microsoft.com/office/drawing/2014/main" id="{031F6FB7-9A05-4FB6-8885-DE40218D0FE1}"/>
+                </a:ext>
+              </a:extLst>
+            </p:cNvPr>
+            <p:cNvSpPr>
+              <a:spLocks/>
+            </p:cNvSpPr>
+            <p:nvPr/>
+          </p:nvSpPr>
+          <p:spPr bwMode="auto">
+            <a:xfrm>
+              <a:off x="456" y="863"/>
+              <a:ext cx="3441" cy="1186"/>
+            </a:xfrm>
+            <a:custGeom>
+              <a:avLst/>
+              <a:gdLst>
+                <a:gd name="T0" fmla="*/ 33 w 3441"/>
+                <a:gd name="T1" fmla="*/ 517 h 1186"/>
+                <a:gd name="T2" fmla="*/ 99 w 3441"/>
+                <a:gd name="T3" fmla="*/ 370 h 1186"/>
+                <a:gd name="T4" fmla="*/ 165 w 3441"/>
+                <a:gd name="T5" fmla="*/ 238 h 1186"/>
+                <a:gd name="T6" fmla="*/ 231 w 3441"/>
+                <a:gd name="T7" fmla="*/ 129 h 1186"/>
+                <a:gd name="T8" fmla="*/ 297 w 3441"/>
+                <a:gd name="T9" fmla="*/ 50 h 1186"/>
+                <a:gd name="T10" fmla="*/ 363 w 3441"/>
+                <a:gd name="T11" fmla="*/ 7 h 1186"/>
+                <a:gd name="T12" fmla="*/ 430 w 3441"/>
+                <a:gd name="T13" fmla="*/ 2 h 1186"/>
+                <a:gd name="T14" fmla="*/ 496 w 3441"/>
+                <a:gd name="T15" fmla="*/ 36 h 1186"/>
+                <a:gd name="T16" fmla="*/ 562 w 3441"/>
+                <a:gd name="T17" fmla="*/ 106 h 1186"/>
+                <a:gd name="T18" fmla="*/ 628 w 3441"/>
+                <a:gd name="T19" fmla="*/ 208 h 1186"/>
+                <a:gd name="T20" fmla="*/ 694 w 3441"/>
+                <a:gd name="T21" fmla="*/ 335 h 1186"/>
+                <a:gd name="T22" fmla="*/ 760 w 3441"/>
+                <a:gd name="T23" fmla="*/ 479 h 1186"/>
+                <a:gd name="T24" fmla="*/ 827 w 3441"/>
+                <a:gd name="T25" fmla="*/ 630 h 1186"/>
+                <a:gd name="T26" fmla="*/ 893 w 3441"/>
+                <a:gd name="T27" fmla="*/ 779 h 1186"/>
+                <a:gd name="T28" fmla="*/ 959 w 3441"/>
+                <a:gd name="T29" fmla="*/ 916 h 1186"/>
+                <a:gd name="T30" fmla="*/ 1025 w 3441"/>
+                <a:gd name="T31" fmla="*/ 1031 h 1186"/>
+                <a:gd name="T32" fmla="*/ 1091 w 3441"/>
+                <a:gd name="T33" fmla="*/ 1118 h 1186"/>
+                <a:gd name="T34" fmla="*/ 1157 w 3441"/>
+                <a:gd name="T35" fmla="*/ 1171 h 1186"/>
+                <a:gd name="T36" fmla="*/ 1223 w 3441"/>
+                <a:gd name="T37" fmla="*/ 1185 h 1186"/>
+                <a:gd name="T38" fmla="*/ 1290 w 3441"/>
+                <a:gd name="T39" fmla="*/ 1161 h 1186"/>
+                <a:gd name="T40" fmla="*/ 1356 w 3441"/>
+                <a:gd name="T41" fmla="*/ 1100 h 1186"/>
+                <a:gd name="T42" fmla="*/ 1422 w 3441"/>
+                <a:gd name="T43" fmla="*/ 1005 h 1186"/>
+                <a:gd name="T44" fmla="*/ 1488 w 3441"/>
+                <a:gd name="T45" fmla="*/ 883 h 1186"/>
+                <a:gd name="T46" fmla="*/ 1554 w 3441"/>
+                <a:gd name="T47" fmla="*/ 743 h 1186"/>
+                <a:gd name="T48" fmla="*/ 1620 w 3441"/>
+                <a:gd name="T49" fmla="*/ 592 h 1186"/>
+                <a:gd name="T50" fmla="*/ 1687 w 3441"/>
+                <a:gd name="T51" fmla="*/ 442 h 1186"/>
+                <a:gd name="T52" fmla="*/ 1753 w 3441"/>
+                <a:gd name="T53" fmla="*/ 301 h 1186"/>
+                <a:gd name="T54" fmla="*/ 1819 w 3441"/>
+                <a:gd name="T55" fmla="*/ 180 h 1186"/>
+                <a:gd name="T56" fmla="*/ 1885 w 3441"/>
+                <a:gd name="T57" fmla="*/ 85 h 1186"/>
+                <a:gd name="T58" fmla="*/ 1951 w 3441"/>
+                <a:gd name="T59" fmla="*/ 24 h 1186"/>
+                <a:gd name="T60" fmla="*/ 2017 w 3441"/>
+                <a:gd name="T61" fmla="*/ 0 h 1186"/>
+                <a:gd name="T62" fmla="*/ 2084 w 3441"/>
+                <a:gd name="T63" fmla="*/ 14 h 1186"/>
+                <a:gd name="T64" fmla="*/ 2150 w 3441"/>
+                <a:gd name="T65" fmla="*/ 67 h 1186"/>
+                <a:gd name="T66" fmla="*/ 2216 w 3441"/>
+                <a:gd name="T67" fmla="*/ 153 h 1186"/>
+                <a:gd name="T68" fmla="*/ 2282 w 3441"/>
+                <a:gd name="T69" fmla="*/ 269 h 1186"/>
+                <a:gd name="T70" fmla="*/ 2348 w 3441"/>
+                <a:gd name="T71" fmla="*/ 405 h 1186"/>
+                <a:gd name="T72" fmla="*/ 2414 w 3441"/>
+                <a:gd name="T73" fmla="*/ 554 h 1186"/>
+                <a:gd name="T74" fmla="*/ 2481 w 3441"/>
+                <a:gd name="T75" fmla="*/ 706 h 1186"/>
+                <a:gd name="T76" fmla="*/ 2547 w 3441"/>
+                <a:gd name="T77" fmla="*/ 850 h 1186"/>
+                <a:gd name="T78" fmla="*/ 2613 w 3441"/>
+                <a:gd name="T79" fmla="*/ 977 h 1186"/>
+                <a:gd name="T80" fmla="*/ 2679 w 3441"/>
+                <a:gd name="T81" fmla="*/ 1079 h 1186"/>
+                <a:gd name="T82" fmla="*/ 2745 w 3441"/>
+                <a:gd name="T83" fmla="*/ 1149 h 1186"/>
+                <a:gd name="T84" fmla="*/ 2811 w 3441"/>
+                <a:gd name="T85" fmla="*/ 1183 h 1186"/>
+                <a:gd name="T86" fmla="*/ 2878 w 3441"/>
+                <a:gd name="T87" fmla="*/ 1178 h 1186"/>
+                <a:gd name="T88" fmla="*/ 2944 w 3441"/>
+                <a:gd name="T89" fmla="*/ 1135 h 1186"/>
+                <a:gd name="T90" fmla="*/ 3010 w 3441"/>
+                <a:gd name="T91" fmla="*/ 1056 h 1186"/>
+                <a:gd name="T92" fmla="*/ 3076 w 3441"/>
+                <a:gd name="T93" fmla="*/ 947 h 1186"/>
+                <a:gd name="T94" fmla="*/ 3142 w 3441"/>
+                <a:gd name="T95" fmla="*/ 815 h 1186"/>
+                <a:gd name="T96" fmla="*/ 3208 w 3441"/>
+                <a:gd name="T97" fmla="*/ 668 h 1186"/>
+                <a:gd name="T98" fmla="*/ 3275 w 3441"/>
+                <a:gd name="T99" fmla="*/ 516 h 1186"/>
+                <a:gd name="T100" fmla="*/ 3341 w 3441"/>
+                <a:gd name="T101" fmla="*/ 370 h 1186"/>
+                <a:gd name="T102" fmla="*/ 3407 w 3441"/>
+                <a:gd name="T103" fmla="*/ 238 h 1186"/>
+              </a:gdLst>
+              <a:ahLst/>
+              <a:cxnLst>
+                <a:cxn ang="0">
+                  <a:pos x="T0" y="T1"/>
+                </a:cxn>
+                <a:cxn ang="0">
+                  <a:pos x="T2" y="T3"/>
+                </a:cxn>
+                <a:cxn ang="0">
+                  <a:pos x="T4" y="T5"/>
+                </a:cxn>
+                <a:cxn ang="0">
+                  <a:pos x="T6" y="T7"/>
+                </a:cxn>
+                <a:cxn ang="0">
+                  <a:pos x="T8" y="T9"/>
+                </a:cxn>
+                <a:cxn ang="0">
+                  <a:pos x="T10" y="T11"/>
+                </a:cxn>
+                <a:cxn ang="0">
+                  <a:pos x="T12" y="T13"/>
+                </a:cxn>
+                <a:cxn ang="0">
+                  <a:pos x="T14" y="T15"/>
+                </a:cxn>
+                <a:cxn ang="0">
+                  <a:pos x="T16" y="T17"/>
+                </a:cxn>
+                <a:cxn ang="0">
+                  <a:pos x="T18" y="T19"/>
+                </a:cxn>
+                <a:cxn ang="0">
+                  <a:pos x="T20" y="T21"/>
+                </a:cxn>
+                <a:cxn ang="0">
+                  <a:pos x="T22" y="T23"/>
+                </a:cxn>
+                <a:cxn ang="0">
+                  <a:pos x="T24" y="T25"/>
+                </a:cxn>
+                <a:cxn ang="0">
+                  <a:pos x="T26" y="T27"/>
+                </a:cxn>
+                <a:cxn ang="0">
+                  <a:pos x="T28" y="T29"/>
+                </a:cxn>
+                <a:cxn ang="0">
+                  <a:pos x="T30" y="T31"/>
+                </a:cxn>
+                <a:cxn ang="0">
+                  <a:pos x="T32" y="T33"/>
+                </a:cxn>
+                <a:cxn ang="0">
+                  <a:pos x="T34" y="T35"/>
+                </a:cxn>
+                <a:cxn ang="0">
+                  <a:pos x="T36" y="T37"/>
+                </a:cxn>
+                <a:cxn ang="0">
+                  <a:pos x="T38" y="T39"/>
+                </a:cxn>
+                <a:cxn ang="0">
+                  <a:pos x="T40" y="T41"/>
+                </a:cxn>
+                <a:cxn ang="0">
+                  <a:pos x="T42" y="T43"/>
+                </a:cxn>
+                <a:cxn ang="0">
+                  <a:pos x="T44" y="T45"/>
+                </a:cxn>
+                <a:cxn ang="0">
+                  <a:pos x="T46" y="T47"/>
+                </a:cxn>
+                <a:cxn ang="0">
+                  <a:pos x="T48" y="T49"/>
+                </a:cxn>
+                <a:cxn ang="0">
+                  <a:pos x="T50" y="T51"/>
+                </a:cxn>
+                <a:cxn ang="0">
+                  <a:pos x="T52" y="T53"/>
+                </a:cxn>
+                <a:cxn ang="0">
+                  <a:pos x="T54" y="T55"/>
+                </a:cxn>
+                <a:cxn ang="0">
+                  <a:pos x="T56" y="T57"/>
+                </a:cxn>
+                <a:cxn ang="0">
+                  <a:pos x="T58" y="T59"/>
+                </a:cxn>
+                <a:cxn ang="0">
+                  <a:pos x="T60" y="T61"/>
+                </a:cxn>
+                <a:cxn ang="0">
+                  <a:pos x="T62" y="T63"/>
+                </a:cxn>
+                <a:cxn ang="0">
+                  <a:pos x="T64" y="T65"/>
+                </a:cxn>
+                <a:cxn ang="0">
+                  <a:pos x="T66" y="T67"/>
+                </a:cxn>
+                <a:cxn ang="0">
+                  <a:pos x="T68" y="T69"/>
+                </a:cxn>
+                <a:cxn ang="0">
+                  <a:pos x="T70" y="T71"/>
+                </a:cxn>
+                <a:cxn ang="0">
+                  <a:pos x="T72" y="T73"/>
+                </a:cxn>
+                <a:cxn ang="0">
+                  <a:pos x="T74" y="T75"/>
+                </a:cxn>
+                <a:cxn ang="0">
+                  <a:pos x="T76" y="T77"/>
+                </a:cxn>
+                <a:cxn ang="0">
+                  <a:pos x="T78" y="T79"/>
+                </a:cxn>
+                <a:cxn ang="0">
+                  <a:pos x="T80" y="T81"/>
+                </a:cxn>
+                <a:cxn ang="0">
+                  <a:pos x="T82" y="T83"/>
+                </a:cxn>
+                <a:cxn ang="0">
+                  <a:pos x="T84" y="T85"/>
+                </a:cxn>
+                <a:cxn ang="0">
+                  <a:pos x="T86" y="T87"/>
+                </a:cxn>
+                <a:cxn ang="0">
+                  <a:pos x="T88" y="T89"/>
+                </a:cxn>
+                <a:cxn ang="0">
+                  <a:pos x="T90" y="T91"/>
+                </a:cxn>
+                <a:cxn ang="0">
+                  <a:pos x="T92" y="T93"/>
+                </a:cxn>
+                <a:cxn ang="0">
+                  <a:pos x="T94" y="T95"/>
+                </a:cxn>
+                <a:cxn ang="0">
+                  <a:pos x="T96" y="T97"/>
+                </a:cxn>
+                <a:cxn ang="0">
+                  <a:pos x="T98" y="T99"/>
+                </a:cxn>
+                <a:cxn ang="0">
+                  <a:pos x="T100" y="T101"/>
+                </a:cxn>
+                <a:cxn ang="0">
+                  <a:pos x="T102" y="T103"/>
+                </a:cxn>
+              </a:cxnLst>
+              <a:rect l="0" t="0" r="r" b="b"/>
+              <a:pathLst>
+                <a:path w="3441" h="1186">
+                  <a:moveTo>
+                    <a:pt x="0" y="592"/>
+                  </a:moveTo>
+                  <a:lnTo>
+                    <a:pt x="33" y="517"/>
+                  </a:lnTo>
+                  <a:lnTo>
+                    <a:pt x="66" y="442"/>
+                  </a:lnTo>
+                  <a:lnTo>
+                    <a:pt x="99" y="370"/>
+                  </a:lnTo>
+                  <a:lnTo>
+                    <a:pt x="132" y="301"/>
+                  </a:lnTo>
+                  <a:lnTo>
+                    <a:pt x="165" y="238"/>
+                  </a:lnTo>
+                  <a:lnTo>
+                    <a:pt x="198" y="180"/>
+                  </a:lnTo>
+                  <a:lnTo>
+                    <a:pt x="231" y="129"/>
+                  </a:lnTo>
+                  <a:lnTo>
+                    <a:pt x="264" y="85"/>
+                  </a:lnTo>
+                  <a:lnTo>
+                    <a:pt x="297" y="50"/>
+                  </a:lnTo>
+                  <a:lnTo>
+                    <a:pt x="330" y="24"/>
+                  </a:lnTo>
+                  <a:lnTo>
+                    <a:pt x="363" y="7"/>
+                  </a:lnTo>
+                  <a:lnTo>
+                    <a:pt x="396" y="0"/>
+                  </a:lnTo>
+                  <a:lnTo>
+                    <a:pt x="430" y="2"/>
+                  </a:lnTo>
+                  <a:lnTo>
+                    <a:pt x="463" y="14"/>
+                  </a:lnTo>
+                  <a:lnTo>
+                    <a:pt x="496" y="36"/>
+                  </a:lnTo>
+                  <a:lnTo>
+                    <a:pt x="529" y="66"/>
+                  </a:lnTo>
+                  <a:lnTo>
+                    <a:pt x="562" y="106"/>
+                  </a:lnTo>
+                  <a:lnTo>
+                    <a:pt x="595" y="153"/>
+                  </a:lnTo>
+                  <a:lnTo>
+                    <a:pt x="628" y="208"/>
+                  </a:lnTo>
+                  <a:lnTo>
+                    <a:pt x="661" y="269"/>
+                  </a:lnTo>
+                  <a:lnTo>
+                    <a:pt x="694" y="335"/>
+                  </a:lnTo>
+                  <a:lnTo>
+                    <a:pt x="727" y="405"/>
+                  </a:lnTo>
+                  <a:lnTo>
+                    <a:pt x="760" y="479"/>
+                  </a:lnTo>
+                  <a:lnTo>
+                    <a:pt x="793" y="554"/>
+                  </a:lnTo>
+                  <a:lnTo>
+                    <a:pt x="827" y="630"/>
+                  </a:lnTo>
+                  <a:lnTo>
+                    <a:pt x="860" y="706"/>
+                  </a:lnTo>
+                  <a:lnTo>
+                    <a:pt x="893" y="779"/>
+                  </a:lnTo>
+                  <a:lnTo>
+                    <a:pt x="926" y="850"/>
+                  </a:lnTo>
+                  <a:lnTo>
+                    <a:pt x="959" y="916"/>
+                  </a:lnTo>
+                  <a:lnTo>
+                    <a:pt x="992" y="977"/>
+                  </a:lnTo>
+                  <a:lnTo>
+                    <a:pt x="1025" y="1031"/>
+                  </a:lnTo>
+                  <a:lnTo>
+                    <a:pt x="1058" y="1079"/>
+                  </a:lnTo>
+                  <a:lnTo>
+                    <a:pt x="1091" y="1118"/>
+                  </a:lnTo>
+                  <a:lnTo>
+                    <a:pt x="1124" y="1149"/>
+                  </a:lnTo>
+                  <a:lnTo>
+                    <a:pt x="1157" y="1171"/>
+                  </a:lnTo>
+                  <a:lnTo>
+                    <a:pt x="1190" y="1183"/>
+                  </a:lnTo>
+                  <a:lnTo>
+                    <a:pt x="1223" y="1185"/>
+                  </a:lnTo>
+                  <a:lnTo>
+                    <a:pt x="1257" y="1178"/>
+                  </a:lnTo>
+                  <a:lnTo>
+                    <a:pt x="1290" y="1161"/>
+                  </a:lnTo>
+                  <a:lnTo>
+                    <a:pt x="1323" y="1135"/>
+                  </a:lnTo>
+                  <a:lnTo>
+                    <a:pt x="1356" y="1100"/>
+                  </a:lnTo>
+                  <a:lnTo>
+                    <a:pt x="1389" y="1056"/>
+                  </a:lnTo>
+                  <a:lnTo>
+                    <a:pt x="1422" y="1005"/>
+                  </a:lnTo>
+                  <a:lnTo>
+                    <a:pt x="1455" y="947"/>
+                  </a:lnTo>
+                  <a:lnTo>
+                    <a:pt x="1488" y="883"/>
+                  </a:lnTo>
+                  <a:lnTo>
+                    <a:pt x="1521" y="815"/>
+                  </a:lnTo>
+                  <a:lnTo>
+                    <a:pt x="1554" y="743"/>
+                  </a:lnTo>
+                  <a:lnTo>
+                    <a:pt x="1587" y="668"/>
+                  </a:lnTo>
+                  <a:lnTo>
+                    <a:pt x="1620" y="592"/>
+                  </a:lnTo>
+                  <a:lnTo>
+                    <a:pt x="1654" y="516"/>
+                  </a:lnTo>
+                  <a:lnTo>
+                    <a:pt x="1687" y="442"/>
+                  </a:lnTo>
+                  <a:lnTo>
+                    <a:pt x="1720" y="370"/>
+                  </a:lnTo>
+                  <a:lnTo>
+                    <a:pt x="1753" y="301"/>
+                  </a:lnTo>
+                  <a:lnTo>
+                    <a:pt x="1786" y="238"/>
+                  </a:lnTo>
+                  <a:lnTo>
+                    <a:pt x="1819" y="180"/>
+                  </a:lnTo>
+                  <a:lnTo>
+                    <a:pt x="1852" y="129"/>
+                  </a:lnTo>
+                  <a:lnTo>
+                    <a:pt x="1885" y="85"/>
+                  </a:lnTo>
+                  <a:lnTo>
+                    <a:pt x="1918" y="50"/>
+                  </a:lnTo>
+                  <a:lnTo>
+                    <a:pt x="1951" y="24"/>
+                  </a:lnTo>
+                  <a:lnTo>
+                    <a:pt x="1984" y="7"/>
+                  </a:lnTo>
+                  <a:lnTo>
+                    <a:pt x="2017" y="0"/>
+                  </a:lnTo>
+                  <a:lnTo>
+                    <a:pt x="2051" y="2"/>
+                  </a:lnTo>
+                  <a:lnTo>
+                    <a:pt x="2084" y="14"/>
+                  </a:lnTo>
+                  <a:lnTo>
+                    <a:pt x="2117" y="36"/>
+                  </a:lnTo>
+                  <a:lnTo>
+                    <a:pt x="2150" y="67"/>
+                  </a:lnTo>
+                  <a:lnTo>
+                    <a:pt x="2183" y="106"/>
+                  </a:lnTo>
+                  <a:lnTo>
+                    <a:pt x="2216" y="153"/>
+                  </a:lnTo>
+                  <a:lnTo>
+                    <a:pt x="2249" y="208"/>
+                  </a:lnTo>
+                  <a:lnTo>
+                    <a:pt x="2282" y="269"/>
+                  </a:lnTo>
+                  <a:lnTo>
+                    <a:pt x="2315" y="335"/>
+                  </a:lnTo>
+                  <a:lnTo>
+                    <a:pt x="2348" y="405"/>
+                  </a:lnTo>
+                  <a:lnTo>
+                    <a:pt x="2381" y="479"/>
+                  </a:lnTo>
+                  <a:lnTo>
+                    <a:pt x="2414" y="554"/>
+                  </a:lnTo>
+                  <a:lnTo>
+                    <a:pt x="2447" y="630"/>
+                  </a:lnTo>
+                  <a:lnTo>
+                    <a:pt x="2481" y="706"/>
+                  </a:lnTo>
+                  <a:lnTo>
+                    <a:pt x="2514" y="779"/>
+                  </a:lnTo>
+                  <a:lnTo>
+                    <a:pt x="2547" y="850"/>
+                  </a:lnTo>
+                  <a:lnTo>
+                    <a:pt x="2580" y="916"/>
+                  </a:lnTo>
+                  <a:lnTo>
+                    <a:pt x="2613" y="977"/>
+                  </a:lnTo>
+                  <a:lnTo>
+                    <a:pt x="2646" y="1031"/>
+                  </a:lnTo>
+                  <a:lnTo>
+                    <a:pt x="2679" y="1079"/>
+                  </a:lnTo>
+                  <a:lnTo>
+                    <a:pt x="2712" y="1118"/>
+                  </a:lnTo>
+                  <a:lnTo>
+                    <a:pt x="2745" y="1149"/>
+                  </a:lnTo>
+                  <a:lnTo>
+                    <a:pt x="2778" y="1171"/>
+                  </a:lnTo>
+                  <a:lnTo>
+                    <a:pt x="2811" y="1183"/>
+                  </a:lnTo>
+                  <a:lnTo>
+                    <a:pt x="2844" y="1185"/>
+                  </a:lnTo>
+                  <a:lnTo>
+                    <a:pt x="2878" y="1178"/>
+                  </a:lnTo>
+                  <a:lnTo>
+                    <a:pt x="2911" y="1161"/>
+                  </a:lnTo>
+                  <a:lnTo>
+                    <a:pt x="2944" y="1135"/>
+                  </a:lnTo>
+                  <a:lnTo>
+                    <a:pt x="2977" y="1099"/>
+                  </a:lnTo>
+                  <a:lnTo>
+                    <a:pt x="3010" y="1056"/>
+                  </a:lnTo>
+                  <a:lnTo>
+                    <a:pt x="3043" y="1005"/>
+                  </a:lnTo>
+                  <a:lnTo>
+                    <a:pt x="3076" y="947"/>
+                  </a:lnTo>
+                  <a:lnTo>
+                    <a:pt x="3109" y="883"/>
+                  </a:lnTo>
+                  <a:lnTo>
+                    <a:pt x="3142" y="815"/>
+                  </a:lnTo>
+                  <a:lnTo>
+                    <a:pt x="3175" y="743"/>
+                  </a:lnTo>
+                  <a:lnTo>
+                    <a:pt x="3208" y="668"/>
+                  </a:lnTo>
+                  <a:lnTo>
+                    <a:pt x="3241" y="592"/>
+                  </a:lnTo>
+                  <a:lnTo>
+                    <a:pt x="3275" y="516"/>
+                  </a:lnTo>
+                  <a:lnTo>
+                    <a:pt x="3308" y="442"/>
+                  </a:lnTo>
+                  <a:lnTo>
+                    <a:pt x="3341" y="370"/>
+                  </a:lnTo>
+                  <a:lnTo>
+                    <a:pt x="3374" y="301"/>
+                  </a:lnTo>
+                  <a:lnTo>
+                    <a:pt x="3407" y="238"/>
+                  </a:lnTo>
+                  <a:lnTo>
+                    <a:pt x="3440" y="180"/>
+                  </a:lnTo>
+                </a:path>
+              </a:pathLst>
+            </a:custGeom>
+            <a:noFill/>
+            <a:ln w="18542">
+              <a:solidFill>
+                <a:srgbClr val="000000"/>
+              </a:solidFill>
+              <a:round/>
+              <a:headEnd/>
+              <a:tailEnd/>
+            </a:ln>
+            <a:extLst>
+              <a:ext uri="{909E8E84-426E-40DD-AFC4-6F175D3DCCD1}">
+                <a14:hiddenFill xmlns:a14="http://schemas.microsoft.com/office/drawing/2010/main">
+                  <a:solidFill>
+                    <a:srgbClr val="FFFFFF"/>
+                  </a:solidFill>
+                </a14:hiddenFill>
+              </a:ext>
+            </a:extLst>
+          </p:spPr>
+          <p:txBody>
+            <a:bodyPr rot="0" vert="horz" wrap="square" lIns="91440" tIns="45720" rIns="91440" bIns="45720" anchor="t" anchorCtr="0" upright="1">
+              <a:noAutofit/>
+            </a:bodyPr>
+            <a:lstStyle/>
+            <a:p>
+              <a:endParaRPr lang="zh-CN" altLang="en-US"/>
+            </a:p>
+          </p:txBody>
+        </p:sp>
+        <p:sp>
+          <p:nvSpPr>
+            <p:cNvPr id="5" name="Freeform 73">
+              <a:extLst>
+                <a:ext uri="{FF2B5EF4-FFF2-40B4-BE49-F238E27FC236}">
+                  <a16:creationId xmlns:a16="http://schemas.microsoft.com/office/drawing/2014/main" id="{A93049CC-6F1A-4FDA-BC21-02160FF1ED9C}"/>
+                </a:ext>
+              </a:extLst>
+            </p:cNvPr>
+            <p:cNvSpPr>
+              <a:spLocks/>
+            </p:cNvSpPr>
+            <p:nvPr/>
+          </p:nvSpPr>
+          <p:spPr bwMode="auto">
+            <a:xfrm>
+              <a:off x="456" y="180"/>
+              <a:ext cx="3242" cy="2573"/>
+            </a:xfrm>
+            <a:custGeom>
+              <a:avLst/>
+              <a:gdLst>
+                <a:gd name="T0" fmla="*/ 0 w 3242"/>
+                <a:gd name="T1" fmla="*/ 0 h 2573"/>
+                <a:gd name="T2" fmla="*/ 0 w 3242"/>
+                <a:gd name="T3" fmla="*/ 2572 h 2573"/>
+                <a:gd name="T4" fmla="*/ 3241 w 3242"/>
+                <a:gd name="T5" fmla="*/ 2572 h 2573"/>
+              </a:gdLst>
+              <a:ahLst/>
+              <a:cxnLst>
+                <a:cxn ang="0">
+                  <a:pos x="T0" y="T1"/>
+                </a:cxn>
+                <a:cxn ang="0">
+                  <a:pos x="T2" y="T3"/>
+                </a:cxn>
+                <a:cxn ang="0">
+                  <a:pos x="T4" y="T5"/>
+                </a:cxn>
+              </a:cxnLst>
+              <a:rect l="0" t="0" r="r" b="b"/>
+              <a:pathLst>
+                <a:path w="3242" h="2573">
+                  <a:moveTo>
+                    <a:pt x="0" y="0"/>
+                  </a:moveTo>
+                  <a:lnTo>
+                    <a:pt x="0" y="2572"/>
+                  </a:lnTo>
+                  <a:lnTo>
+                    <a:pt x="3241" y="2572"/>
+                  </a:lnTo>
+                </a:path>
+              </a:pathLst>
+            </a:custGeom>
+            <a:noFill/>
+            <a:ln w="18542">
+              <a:solidFill>
+                <a:srgbClr val="000000"/>
+              </a:solidFill>
+              <a:round/>
+              <a:headEnd/>
+              <a:tailEnd/>
+            </a:ln>
+            <a:extLst>
+              <a:ext uri="{909E8E84-426E-40DD-AFC4-6F175D3DCCD1}">
+                <a14:hiddenFill xmlns:a14="http://schemas.microsoft.com/office/drawing/2010/main">
+                  <a:solidFill>
+                    <a:srgbClr val="FFFFFF"/>
+                  </a:solidFill>
+                </a14:hiddenFill>
+              </a:ext>
+            </a:extLst>
+          </p:spPr>
+          <p:txBody>
+            <a:bodyPr rot="0" vert="horz" wrap="square" lIns="91440" tIns="45720" rIns="91440" bIns="45720" anchor="t" anchorCtr="0" upright="1">
+              <a:noAutofit/>
+            </a:bodyPr>
+            <a:lstStyle/>
+            <a:p>
+              <a:endParaRPr lang="zh-CN" altLang="en-US"/>
+            </a:p>
+          </p:txBody>
+        </p:sp>
+        <p:pic>
+          <p:nvPicPr>
+            <p:cNvPr id="6" name="Picture 74">
+              <a:extLst>
+                <a:ext uri="{FF2B5EF4-FFF2-40B4-BE49-F238E27FC236}">
+                  <a16:creationId xmlns:a16="http://schemas.microsoft.com/office/drawing/2014/main" id="{80AAF465-6B12-4105-9885-5379541BC632}"/>
+                </a:ext>
+              </a:extLst>
+            </p:cNvPr>
+            <p:cNvPicPr>
+              <a:picLocks noChangeAspect="1" noChangeArrowheads="1"/>
+            </p:cNvPicPr>
+            <p:nvPr/>
+          </p:nvPicPr>
+          <p:blipFill>
+            <a:blip r:embed="rId3">
+              <a:extLst>
+                <a:ext uri="{28A0092B-C50C-407E-A947-70E740481C1C}">
+                  <a14:useLocalDpi xmlns:a14="http://schemas.microsoft.com/office/drawing/2010/main" val="0"/>
+                </a:ext>
+              </a:extLst>
+            </a:blip>
+            <a:srcRect/>
+            <a:stretch>
+              <a:fillRect/>
+            </a:stretch>
+          </p:blipFill>
+          <p:spPr bwMode="auto">
+            <a:xfrm>
+              <a:off x="390" y="144"/>
+              <a:ext cx="140" cy="220"/>
+            </a:xfrm>
+            <a:prstGeom prst="rect">
+              <a:avLst/>
+            </a:prstGeom>
+            <a:noFill/>
+            <a:ln>
+              <a:noFill/>
+            </a:ln>
+            <a:extLst>
+              <a:ext uri="{909E8E84-426E-40DD-AFC4-6F175D3DCCD1}">
+                <a14:hiddenFill xmlns:a14="http://schemas.microsoft.com/office/drawing/2010/main">
+                  <a:solidFill>
+                    <a:srgbClr val="FFFFFF"/>
+                  </a:solidFill>
+                </a14:hiddenFill>
+              </a:ext>
+              <a:ext uri="{91240B29-F687-4F45-9708-019B960494DF}">
+                <a14:hiddenLine xmlns:a14="http://schemas.microsoft.com/office/drawing/2010/main" w="9525">
+                  <a:solidFill>
+                    <a:srgbClr val="000000"/>
+                  </a:solidFill>
+                  <a:miter lim="800000"/>
+                  <a:headEnd/>
+                  <a:tailEnd/>
+                </a14:hiddenLine>
+              </a:ext>
+            </a:extLst>
+          </p:spPr>
+        </p:pic>
+        <p:pic>
+          <p:nvPicPr>
+            <p:cNvPr id="7" name="Picture 75">
+              <a:extLst>
+                <a:ext uri="{FF2B5EF4-FFF2-40B4-BE49-F238E27FC236}">
+                  <a16:creationId xmlns:a16="http://schemas.microsoft.com/office/drawing/2014/main" id="{E04E1097-1988-47AF-81F8-15B2260F3EE2}"/>
+                </a:ext>
+              </a:extLst>
+            </p:cNvPr>
+            <p:cNvPicPr>
+              <a:picLocks noChangeAspect="1" noChangeArrowheads="1"/>
+            </p:cNvPicPr>
+            <p:nvPr/>
+          </p:nvPicPr>
+          <p:blipFill>
+            <a:blip r:embed="rId4">
+              <a:extLst>
+                <a:ext uri="{28A0092B-C50C-407E-A947-70E740481C1C}">
+                  <a14:useLocalDpi xmlns:a14="http://schemas.microsoft.com/office/drawing/2010/main" val="0"/>
+                </a:ext>
+              </a:extLst>
+            </a:blip>
+            <a:srcRect/>
+            <a:stretch>
+              <a:fillRect/>
+            </a:stretch>
+          </p:blipFill>
+          <p:spPr bwMode="auto">
+            <a:xfrm>
+              <a:off x="3515" y="2687"/>
+              <a:ext cx="220" cy="140"/>
+            </a:xfrm>
+            <a:prstGeom prst="rect">
+              <a:avLst/>
+            </a:prstGeom>
+            <a:noFill/>
+            <a:ln>
+              <a:noFill/>
+            </a:ln>
+            <a:extLst>
+              <a:ext uri="{909E8E84-426E-40DD-AFC4-6F175D3DCCD1}">
+                <a14:hiddenFill xmlns:a14="http://schemas.microsoft.com/office/drawing/2010/main">
+                  <a:solidFill>
+                    <a:srgbClr val="FFFFFF"/>
+                  </a:solidFill>
+                </a14:hiddenFill>
+              </a:ext>
+              <a:ext uri="{91240B29-F687-4F45-9708-019B960494DF}">
+                <a14:hiddenLine xmlns:a14="http://schemas.microsoft.com/office/drawing/2010/main" w="9525">
+                  <a:solidFill>
+                    <a:srgbClr val="000000"/>
+                  </a:solidFill>
+                  <a:miter lim="800000"/>
+                  <a:headEnd/>
+                  <a:tailEnd/>
+                </a14:hiddenLine>
+              </a:ext>
+            </a:extLst>
+          </p:spPr>
+        </p:pic>
+        <p:sp>
+          <p:nvSpPr>
+            <p:cNvPr id="8" name="Freeform 76">
+              <a:extLst>
+                <a:ext uri="{FF2B5EF4-FFF2-40B4-BE49-F238E27FC236}">
+                  <a16:creationId xmlns:a16="http://schemas.microsoft.com/office/drawing/2014/main" id="{4E5ACCC5-0733-46CA-B251-1E1B731BEE56}"/>
+                </a:ext>
+              </a:extLst>
+            </p:cNvPr>
+            <p:cNvSpPr>
+              <a:spLocks/>
+            </p:cNvSpPr>
+            <p:nvPr/>
+          </p:nvSpPr>
+          <p:spPr bwMode="auto">
+            <a:xfrm>
+              <a:off x="445" y="1456"/>
+              <a:ext cx="3263" cy="20"/>
+            </a:xfrm>
+            <a:custGeom>
+              <a:avLst/>
+              <a:gdLst>
+                <a:gd name="T0" fmla="*/ 0 w 3263"/>
+                <a:gd name="T1" fmla="*/ 0 h 20"/>
+                <a:gd name="T2" fmla="*/ 3262 w 3263"/>
+                <a:gd name="T3" fmla="*/ 0 h 20"/>
+              </a:gdLst>
+              <a:ahLst/>
+              <a:cxnLst>
+                <a:cxn ang="0">
+                  <a:pos x="T0" y="T1"/>
+                </a:cxn>
+                <a:cxn ang="0">
+                  <a:pos x="T2" y="T3"/>
+                </a:cxn>
+              </a:cxnLst>
+              <a:rect l="0" t="0" r="r" b="b"/>
+              <a:pathLst>
+                <a:path w="3263" h="20">
+                  <a:moveTo>
+                    <a:pt x="0" y="0"/>
+                  </a:moveTo>
+                  <a:lnTo>
+                    <a:pt x="3262" y="0"/>
+                  </a:lnTo>
+                </a:path>
+              </a:pathLst>
+            </a:custGeom>
+            <a:noFill/>
+            <a:ln w="7416">
+              <a:solidFill>
+                <a:srgbClr val="000000"/>
+              </a:solidFill>
+              <a:round/>
+              <a:headEnd/>
+              <a:tailEnd/>
+            </a:ln>
+            <a:extLst>
+              <a:ext uri="{909E8E84-426E-40DD-AFC4-6F175D3DCCD1}">
+                <a14:hiddenFill xmlns:a14="http://schemas.microsoft.com/office/drawing/2010/main">
+                  <a:solidFill>
+                    <a:srgbClr val="FFFFFF"/>
+                  </a:solidFill>
+                </a14:hiddenFill>
+              </a:ext>
+            </a:extLst>
+          </p:spPr>
+          <p:txBody>
+            <a:bodyPr rot="0" vert="horz" wrap="square" lIns="91440" tIns="45720" rIns="91440" bIns="45720" anchor="t" anchorCtr="0" upright="1">
+              <a:noAutofit/>
+            </a:bodyPr>
+            <a:lstStyle/>
+            <a:p>
+              <a:endParaRPr lang="zh-CN" altLang="en-US"/>
+            </a:p>
+          </p:txBody>
+        </p:sp>
+        <p:pic>
+          <p:nvPicPr>
+            <p:cNvPr id="9" name="Picture 77">
+              <a:extLst>
+                <a:ext uri="{FF2B5EF4-FFF2-40B4-BE49-F238E27FC236}">
+                  <a16:creationId xmlns:a16="http://schemas.microsoft.com/office/drawing/2014/main" id="{DD5343B7-5D98-4EBD-9E00-0785886F51D0}"/>
+                </a:ext>
+              </a:extLst>
+            </p:cNvPr>
+            <p:cNvPicPr>
+              <a:picLocks noChangeAspect="1" noChangeArrowheads="1"/>
+            </p:cNvPicPr>
+            <p:nvPr/>
+          </p:nvPicPr>
+          <p:blipFill>
+            <a:blip r:embed="rId5">
+              <a:extLst>
+                <a:ext uri="{28A0092B-C50C-407E-A947-70E740481C1C}">
+                  <a14:useLocalDpi xmlns:a14="http://schemas.microsoft.com/office/drawing/2010/main" val="0"/>
+                </a:ext>
+              </a:extLst>
+            </a:blip>
+            <a:srcRect/>
+            <a:stretch>
+              <a:fillRect/>
+            </a:stretch>
+          </p:blipFill>
+          <p:spPr bwMode="auto">
+            <a:xfrm>
+              <a:off x="0" y="0"/>
+              <a:ext cx="4140" cy="3660"/>
+            </a:xfrm>
+            <a:prstGeom prst="rect">
+              <a:avLst/>
+            </a:prstGeom>
+            <a:noFill/>
+            <a:ln>
+              <a:noFill/>
+            </a:ln>
+            <a:extLst>
+              <a:ext uri="{909E8E84-426E-40DD-AFC4-6F175D3DCCD1}">
+                <a14:hiddenFill xmlns:a14="http://schemas.microsoft.com/office/drawing/2010/main">
+                  <a:solidFill>
+                    <a:srgbClr val="FFFFFF"/>
+                  </a:solidFill>
+                </a14:hiddenFill>
+              </a:ext>
+              <a:ext uri="{91240B29-F687-4F45-9708-019B960494DF}">
+                <a14:hiddenLine xmlns:a14="http://schemas.microsoft.com/office/drawing/2010/main" w="9525">
+                  <a:solidFill>
+                    <a:srgbClr val="000000"/>
+                  </a:solidFill>
+                  <a:miter lim="800000"/>
+                  <a:headEnd/>
+                  <a:tailEnd/>
+                </a14:hiddenLine>
+              </a:ext>
+            </a:extLst>
+          </p:spPr>
+        </p:pic>
+        <p:pic>
+          <p:nvPicPr>
+            <p:cNvPr id="10" name="Picture 78">
+              <a:extLst>
+                <a:ext uri="{FF2B5EF4-FFF2-40B4-BE49-F238E27FC236}">
+                  <a16:creationId xmlns:a16="http://schemas.microsoft.com/office/drawing/2014/main" id="{C780DDD2-2A44-4225-88E5-3C9876DF0A74}"/>
+                </a:ext>
+              </a:extLst>
+            </p:cNvPr>
+            <p:cNvPicPr>
+              <a:picLocks noChangeAspect="1" noChangeArrowheads="1"/>
+            </p:cNvPicPr>
+            <p:nvPr/>
+          </p:nvPicPr>
+          <p:blipFill>
+            <a:blip r:embed="rId6">
+              <a:extLst>
+                <a:ext uri="{28A0092B-C50C-407E-A947-70E740481C1C}">
+                  <a14:useLocalDpi xmlns:a14="http://schemas.microsoft.com/office/drawing/2010/main" val="0"/>
+                </a:ext>
+              </a:extLst>
+            </a:blip>
+            <a:srcRect/>
+            <a:stretch>
+              <a:fillRect/>
+            </a:stretch>
+          </p:blipFill>
+          <p:spPr bwMode="auto">
+            <a:xfrm>
+              <a:off x="1616" y="937"/>
+              <a:ext cx="380" cy="360"/>
+            </a:xfrm>
+            <a:prstGeom prst="rect">
+              <a:avLst/>
+            </a:prstGeom>
+            <a:noFill/>
+            <a:ln>
+              <a:noFill/>
+            </a:ln>
+            <a:extLst>
+              <a:ext uri="{909E8E84-426E-40DD-AFC4-6F175D3DCCD1}">
+                <a14:hiddenFill xmlns:a14="http://schemas.microsoft.com/office/drawing/2010/main">
+                  <a:solidFill>
+                    <a:srgbClr val="FFFFFF"/>
+                  </a:solidFill>
+                </a14:hiddenFill>
+              </a:ext>
+              <a:ext uri="{91240B29-F687-4F45-9708-019B960494DF}">
+                <a14:hiddenLine xmlns:a14="http://schemas.microsoft.com/office/drawing/2010/main" w="9525">
+                  <a:solidFill>
+                    <a:srgbClr val="000000"/>
+                  </a:solidFill>
+                  <a:miter lim="800000"/>
+                  <a:headEnd/>
+                  <a:tailEnd/>
+                </a14:hiddenLine>
+              </a:ext>
+            </a:extLst>
+          </p:spPr>
+        </p:pic>
+        <p:pic>
+          <p:nvPicPr>
+            <p:cNvPr id="11" name="Picture 79">
+              <a:extLst>
+                <a:ext uri="{FF2B5EF4-FFF2-40B4-BE49-F238E27FC236}">
+                  <a16:creationId xmlns:a16="http://schemas.microsoft.com/office/drawing/2014/main" id="{21EC48AC-16AF-4419-8FF3-546DE06505D4}"/>
+                </a:ext>
+              </a:extLst>
+            </p:cNvPr>
+            <p:cNvPicPr>
+              <a:picLocks noChangeAspect="1" noChangeArrowheads="1"/>
+            </p:cNvPicPr>
+            <p:nvPr/>
+          </p:nvPicPr>
+          <p:blipFill>
+            <a:blip r:embed="rId7">
+              <a:extLst>
+                <a:ext uri="{28A0092B-C50C-407E-A947-70E740481C1C}">
+                  <a14:useLocalDpi xmlns:a14="http://schemas.microsoft.com/office/drawing/2010/main" val="0"/>
+                </a:ext>
+              </a:extLst>
+            </a:blip>
+            <a:srcRect/>
+            <a:stretch>
+              <a:fillRect/>
+            </a:stretch>
+          </p:blipFill>
+          <p:spPr bwMode="auto">
+            <a:xfrm>
+              <a:off x="1141" y="2351"/>
+              <a:ext cx="240" cy="160"/>
+            </a:xfrm>
+            <a:prstGeom prst="rect">
+              <a:avLst/>
+            </a:prstGeom>
+            <a:noFill/>
+            <a:ln>
+              <a:noFill/>
+            </a:ln>
+            <a:extLst>
+              <a:ext uri="{909E8E84-426E-40DD-AFC4-6F175D3DCCD1}">
+                <a14:hiddenFill xmlns:a14="http://schemas.microsoft.com/office/drawing/2010/main">
+                  <a:solidFill>
+                    <a:srgbClr val="FFFFFF"/>
+                  </a:solidFill>
+                </a14:hiddenFill>
+              </a:ext>
+              <a:ext uri="{91240B29-F687-4F45-9708-019B960494DF}">
+                <a14:hiddenLine xmlns:a14="http://schemas.microsoft.com/office/drawing/2010/main" w="9525">
+                  <a:solidFill>
+                    <a:srgbClr val="000000"/>
+                  </a:solidFill>
+                  <a:miter lim="800000"/>
+                  <a:headEnd/>
+                  <a:tailEnd/>
+                </a14:hiddenLine>
+              </a:ext>
+            </a:extLst>
+          </p:spPr>
+        </p:pic>
+        <p:sp>
+          <p:nvSpPr>
+            <p:cNvPr id="12" name="Freeform 80">
+              <a:extLst>
+                <a:ext uri="{FF2B5EF4-FFF2-40B4-BE49-F238E27FC236}">
+                  <a16:creationId xmlns:a16="http://schemas.microsoft.com/office/drawing/2014/main" id="{7357D709-8263-4340-A284-4C4DA01087F6}"/>
+                </a:ext>
+              </a:extLst>
+            </p:cNvPr>
+            <p:cNvSpPr>
+              <a:spLocks/>
+            </p:cNvSpPr>
+            <p:nvPr/>
+          </p:nvSpPr>
+          <p:spPr bwMode="auto">
+            <a:xfrm>
+              <a:off x="1600" y="2213"/>
+              <a:ext cx="129" cy="20"/>
+            </a:xfrm>
+            <a:custGeom>
+              <a:avLst/>
+              <a:gdLst>
+                <a:gd name="T0" fmla="*/ 0 w 129"/>
+                <a:gd name="T1" fmla="*/ 0 h 20"/>
+                <a:gd name="T2" fmla="*/ 128 w 129"/>
+                <a:gd name="T3" fmla="*/ 0 h 20"/>
+              </a:gdLst>
+              <a:ahLst/>
+              <a:cxnLst>
+                <a:cxn ang="0">
+                  <a:pos x="T0" y="T1"/>
+                </a:cxn>
+                <a:cxn ang="0">
+                  <a:pos x="T2" y="T3"/>
+                </a:cxn>
+              </a:cxnLst>
+              <a:rect l="0" t="0" r="r" b="b"/>
+              <a:pathLst>
+                <a:path w="129" h="20">
+                  <a:moveTo>
+                    <a:pt x="0" y="0"/>
+                  </a:moveTo>
+                  <a:lnTo>
+                    <a:pt x="128" y="0"/>
+                  </a:lnTo>
+                </a:path>
+              </a:pathLst>
+            </a:custGeom>
+            <a:noFill/>
+            <a:ln w="6740">
+              <a:solidFill>
+                <a:srgbClr val="000000"/>
+              </a:solidFill>
+              <a:round/>
+              <a:headEnd/>
+              <a:tailEnd/>
+            </a:ln>
+            <a:extLst>
+              <a:ext uri="{909E8E84-426E-40DD-AFC4-6F175D3DCCD1}">
+                <a14:hiddenFill xmlns:a14="http://schemas.microsoft.com/office/drawing/2010/main">
+                  <a:solidFill>
+                    <a:srgbClr val="FFFFFF"/>
+                  </a:solidFill>
+                </a14:hiddenFill>
+              </a:ext>
+            </a:extLst>
+          </p:spPr>
+          <p:txBody>
+            <a:bodyPr rot="0" vert="horz" wrap="square" lIns="91440" tIns="45720" rIns="91440" bIns="45720" anchor="t" anchorCtr="0" upright="1">
+              <a:noAutofit/>
+            </a:bodyPr>
+            <a:lstStyle/>
+            <a:p>
+              <a:endParaRPr lang="zh-CN" altLang="en-US"/>
+            </a:p>
+          </p:txBody>
+        </p:sp>
+        <p:pic>
+          <p:nvPicPr>
+            <p:cNvPr id="13" name="Picture 81">
+              <a:extLst>
+                <a:ext uri="{FF2B5EF4-FFF2-40B4-BE49-F238E27FC236}">
+                  <a16:creationId xmlns:a16="http://schemas.microsoft.com/office/drawing/2014/main" id="{23206650-8B28-4313-8CC3-28C348D2F73E}"/>
+                </a:ext>
+              </a:extLst>
+            </p:cNvPr>
+            <p:cNvPicPr>
+              <a:picLocks noChangeAspect="1" noChangeArrowheads="1"/>
+            </p:cNvPicPr>
+            <p:nvPr/>
+          </p:nvPicPr>
+          <p:blipFill>
+            <a:blip r:embed="rId8">
+              <a:extLst>
+                <a:ext uri="{28A0092B-C50C-407E-A947-70E740481C1C}">
+                  <a14:useLocalDpi xmlns:a14="http://schemas.microsoft.com/office/drawing/2010/main" val="0"/>
+                </a:ext>
+              </a:extLst>
+            </a:blip>
+            <a:srcRect/>
+            <a:stretch>
+              <a:fillRect/>
+            </a:stretch>
+          </p:blipFill>
+          <p:spPr bwMode="auto">
+            <a:xfrm>
+              <a:off x="1511" y="2265"/>
+              <a:ext cx="260" cy="240"/>
+            </a:xfrm>
+            <a:prstGeom prst="rect">
+              <a:avLst/>
+            </a:prstGeom>
+            <a:noFill/>
+            <a:ln>
+              <a:noFill/>
+            </a:ln>
+            <a:extLst>
+              <a:ext uri="{909E8E84-426E-40DD-AFC4-6F175D3DCCD1}">
+                <a14:hiddenFill xmlns:a14="http://schemas.microsoft.com/office/drawing/2010/main">
+                  <a:solidFill>
+                    <a:srgbClr val="FFFFFF"/>
+                  </a:solidFill>
+                </a14:hiddenFill>
+              </a:ext>
+              <a:ext uri="{91240B29-F687-4F45-9708-019B960494DF}">
+                <a14:hiddenLine xmlns:a14="http://schemas.microsoft.com/office/drawing/2010/main" w="9525">
+                  <a:solidFill>
+                    <a:srgbClr val="000000"/>
+                  </a:solidFill>
+                  <a:miter lim="800000"/>
+                  <a:headEnd/>
+                  <a:tailEnd/>
+                </a14:hiddenLine>
+              </a:ext>
+            </a:extLst>
+          </p:spPr>
+        </p:pic>
+        <p:pic>
+          <p:nvPicPr>
+            <p:cNvPr id="14" name="Picture 82">
+              <a:extLst>
+                <a:ext uri="{FF2B5EF4-FFF2-40B4-BE49-F238E27FC236}">
+                  <a16:creationId xmlns:a16="http://schemas.microsoft.com/office/drawing/2014/main" id="{BEF0F64E-54D6-4B59-B80C-584F2730BBDE}"/>
+                </a:ext>
+              </a:extLst>
+            </p:cNvPr>
+            <p:cNvPicPr>
+              <a:picLocks noChangeAspect="1" noChangeArrowheads="1"/>
+            </p:cNvPicPr>
+            <p:nvPr/>
+          </p:nvPicPr>
+          <p:blipFill>
+            <a:blip r:embed="rId9">
+              <a:extLst>
+                <a:ext uri="{28A0092B-C50C-407E-A947-70E740481C1C}">
+                  <a14:useLocalDpi xmlns:a14="http://schemas.microsoft.com/office/drawing/2010/main" val="0"/>
+                </a:ext>
+              </a:extLst>
+            </a:blip>
+            <a:srcRect/>
+            <a:stretch>
+              <a:fillRect/>
+            </a:stretch>
+          </p:blipFill>
+          <p:spPr bwMode="auto">
+            <a:xfrm>
+              <a:off x="761" y="3421"/>
+              <a:ext cx="2340" cy="180"/>
+            </a:xfrm>
+            <a:prstGeom prst="rect">
+              <a:avLst/>
+            </a:prstGeom>
+            <a:noFill/>
+            <a:ln>
+              <a:noFill/>
+            </a:ln>
+            <a:extLst>
+              <a:ext uri="{909E8E84-426E-40DD-AFC4-6F175D3DCCD1}">
+                <a14:hiddenFill xmlns:a14="http://schemas.microsoft.com/office/drawing/2010/main">
+                  <a:solidFill>
+                    <a:srgbClr val="FFFFFF"/>
+                  </a:solidFill>
+                </a14:hiddenFill>
+              </a:ext>
+              <a:ext uri="{91240B29-F687-4F45-9708-019B960494DF}">
+                <a14:hiddenLine xmlns:a14="http://schemas.microsoft.com/office/drawing/2010/main" w="9525">
+                  <a:solidFill>
+                    <a:srgbClr val="000000"/>
+                  </a:solidFill>
+                  <a:miter lim="800000"/>
+                  <a:headEnd/>
+                  <a:tailEnd/>
+                </a14:hiddenLine>
+              </a:ext>
+            </a:extLst>
+          </p:spPr>
+        </p:pic>
+        <p:pic>
+          <p:nvPicPr>
+            <p:cNvPr id="15" name="Picture 83">
+              <a:extLst>
+                <a:ext uri="{FF2B5EF4-FFF2-40B4-BE49-F238E27FC236}">
+                  <a16:creationId xmlns:a16="http://schemas.microsoft.com/office/drawing/2014/main" id="{0BB5538F-8CCF-4731-86BF-B3F33DBCCAF0}"/>
+                </a:ext>
+              </a:extLst>
+            </p:cNvPr>
+            <p:cNvPicPr>
+              <a:picLocks noChangeAspect="1" noChangeArrowheads="1"/>
+            </p:cNvPicPr>
+            <p:nvPr/>
+          </p:nvPicPr>
+          <p:blipFill>
+            <a:blip r:embed="rId10">
+              <a:extLst>
+                <a:ext uri="{28A0092B-C50C-407E-A947-70E740481C1C}">
+                  <a14:useLocalDpi xmlns:a14="http://schemas.microsoft.com/office/drawing/2010/main" val="0"/>
+                </a:ext>
+              </a:extLst>
+            </a:blip>
+            <a:srcRect/>
+            <a:stretch>
+              <a:fillRect/>
+            </a:stretch>
+          </p:blipFill>
+          <p:spPr bwMode="auto">
+            <a:xfrm>
+              <a:off x="233" y="2770"/>
+              <a:ext cx="160" cy="240"/>
+            </a:xfrm>
+            <a:prstGeom prst="rect">
+              <a:avLst/>
+            </a:prstGeom>
+            <a:noFill/>
+            <a:ln>
+              <a:noFill/>
+            </a:ln>
+            <a:extLst>
+              <a:ext uri="{909E8E84-426E-40DD-AFC4-6F175D3DCCD1}">
+                <a14:hiddenFill xmlns:a14="http://schemas.microsoft.com/office/drawing/2010/main">
+                  <a:solidFill>
+                    <a:srgbClr val="FFFFFF"/>
+                  </a:solidFill>
+                </a14:hiddenFill>
+              </a:ext>
+              <a:ext uri="{91240B29-F687-4F45-9708-019B960494DF}">
+                <a14:hiddenLine xmlns:a14="http://schemas.microsoft.com/office/drawing/2010/main" w="9525">
+                  <a:solidFill>
+                    <a:srgbClr val="000000"/>
+                  </a:solidFill>
+                  <a:miter lim="800000"/>
+                  <a:headEnd/>
+                  <a:tailEnd/>
+                </a14:hiddenLine>
+              </a:ext>
+            </a:extLst>
+          </p:spPr>
+        </p:pic>
+      </p:grpSp>
+      <p:graphicFrame>
+        <p:nvGraphicFramePr>
+          <p:cNvPr id="17" name="对象 16">
+            <a:extLst>
+              <a:ext uri="{FF2B5EF4-FFF2-40B4-BE49-F238E27FC236}">
+                <a16:creationId xmlns:a16="http://schemas.microsoft.com/office/drawing/2014/main" id="{6B76F53E-97B2-47FE-A29B-A22A8EF7ACBE}"/>
+              </a:ext>
+            </a:extLst>
+          </p:cNvPr>
+          <p:cNvGraphicFramePr>
+            <a:graphicFrameLocks noChangeAspect="1"/>
+          </p:cNvGraphicFramePr>
+          <p:nvPr>
+            <p:extLst>
+              <p:ext uri="{D42A27DB-BD31-4B8C-83A1-F6EECF244321}">
+                <p14:modId xmlns:p14="http://schemas.microsoft.com/office/powerpoint/2010/main" val="638523613"/>
+              </p:ext>
+            </p:extLst>
+          </p:nvPr>
+        </p:nvGraphicFramePr>
+        <p:xfrm>
+          <a:off x="1080425" y="1692366"/>
+          <a:ext cx="3863172" cy="1145856"/>
+        </p:xfrm>
+        <a:graphic>
+          <a:graphicData uri="http://schemas.openxmlformats.org/presentationml/2006/ole">
+            <mc:AlternateContent xmlns:mc="http://schemas.openxmlformats.org/markup-compatibility/2006">
+              <mc:Choice xmlns:v="urn:schemas-microsoft-com:vml" Requires="v">
+                <p:oleObj spid="_x0000_s5136" name="Equation" r:id="rId11" imgW="2247900" imgH="660400" progId="Equation.DSMT4">
+                  <p:embed/>
+                </p:oleObj>
+              </mc:Choice>
+              <mc:Fallback>
+                <p:oleObj name="Equation" r:id="rId11" imgW="2247900" imgH="660400" progId="Equation.DSMT4">
+                  <p:embed/>
+                  <p:pic>
+                    <p:nvPicPr>
+                      <p:cNvPr id="0" name="Object 1"/>
+                      <p:cNvPicPr>
+                        <a:picLocks noChangeAspect="1" noChangeArrowheads="1"/>
+                      </p:cNvPicPr>
+                      <p:nvPr/>
+                    </p:nvPicPr>
+                    <p:blipFill>
+                      <a:blip r:embed="rId12">
+                        <a:extLst>
+                          <a:ext uri="{28A0092B-C50C-407E-A947-70E740481C1C}">
+                            <a14:useLocalDpi xmlns:a14="http://schemas.microsoft.com/office/drawing/2010/main" val="0"/>
+                          </a:ext>
+                        </a:extLst>
+                      </a:blip>
+                      <a:srcRect/>
+                      <a:stretch>
+                        <a:fillRect/>
+                      </a:stretch>
+                    </p:blipFill>
+                    <p:spPr bwMode="auto">
+                      <a:xfrm>
+                        <a:off x="1080425" y="1692366"/>
+                        <a:ext cx="3863172" cy="1145856"/>
+                      </a:xfrm>
+                      <a:prstGeom prst="rect">
+                        <a:avLst/>
+                      </a:prstGeom>
+                      <a:noFill/>
+                    </p:spPr>
+                  </p:pic>
+                </p:oleObj>
+              </mc:Fallback>
+            </mc:AlternateContent>
+          </a:graphicData>
+        </a:graphic>
+      </p:graphicFrame>
+      <p:sp>
+        <p:nvSpPr>
+          <p:cNvPr id="18" name="文本框 17">
+            <a:extLst>
+              <a:ext uri="{FF2B5EF4-FFF2-40B4-BE49-F238E27FC236}">
+                <a16:creationId xmlns:a16="http://schemas.microsoft.com/office/drawing/2014/main" id="{D1FAC5FA-912A-40D8-8965-B5CBC72FCB0B}"/>
+              </a:ext>
+            </a:extLst>
+          </p:cNvPr>
+          <p:cNvSpPr txBox="1"/>
+          <p:nvPr/>
+        </p:nvSpPr>
+        <p:spPr>
+          <a:xfrm>
+            <a:off x="250825" y="1120388"/>
+            <a:ext cx="3087993" cy="369332"/>
+          </a:xfrm>
+          <a:prstGeom prst="rect">
+            <a:avLst/>
+          </a:prstGeom>
+          <a:noFill/>
+        </p:spPr>
+        <p:txBody>
+          <a:bodyPr wrap="square" rtlCol="0">
+            <a:spAutoFit/>
+          </a:bodyPr>
+          <a:lstStyle/>
+          <a:p>
+            <a:r>
+              <a:rPr lang="zh-CN" altLang="en-US" dirty="0"/>
+              <a:t>对交流项归一化得到</a:t>
+            </a:r>
+          </a:p>
+        </p:txBody>
+      </p:sp>
+      <p:sp>
+        <p:nvSpPr>
+          <p:cNvPr id="19" name="文本框 18">
+            <a:extLst>
+              <a:ext uri="{FF2B5EF4-FFF2-40B4-BE49-F238E27FC236}">
+                <a16:creationId xmlns:a16="http://schemas.microsoft.com/office/drawing/2014/main" id="{6FE1B1C3-D659-4D22-B186-C4C27468CF3C}"/>
+              </a:ext>
+            </a:extLst>
+          </p:cNvPr>
+          <p:cNvSpPr txBox="1"/>
+          <p:nvPr/>
+        </p:nvSpPr>
+        <p:spPr>
+          <a:xfrm>
+            <a:off x="369840" y="3207263"/>
+            <a:ext cx="2734811" cy="369332"/>
+          </a:xfrm>
+          <a:prstGeom prst="rect">
+            <a:avLst/>
+          </a:prstGeom>
+          <a:noFill/>
+        </p:spPr>
+        <p:txBody>
+          <a:bodyPr wrap="square" rtlCol="0">
+            <a:spAutoFit/>
+          </a:bodyPr>
+          <a:lstStyle/>
+          <a:p>
+            <a:r>
+              <a:rPr lang="zh-CN" altLang="en-US" dirty="0"/>
+              <a:t>交流项可以表示为</a:t>
+            </a:r>
+          </a:p>
+        </p:txBody>
+      </p:sp>
+      <p:graphicFrame>
+        <p:nvGraphicFramePr>
+          <p:cNvPr id="21" name="对象 20">
+            <a:extLst>
+              <a:ext uri="{FF2B5EF4-FFF2-40B4-BE49-F238E27FC236}">
+                <a16:creationId xmlns:a16="http://schemas.microsoft.com/office/drawing/2014/main" id="{609BCDF7-2AD5-443A-9C7A-85FC9682EF61}"/>
+              </a:ext>
+            </a:extLst>
+          </p:cNvPr>
+          <p:cNvGraphicFramePr>
+            <a:graphicFrameLocks noChangeAspect="1"/>
+          </p:cNvGraphicFramePr>
+          <p:nvPr>
+            <p:extLst>
+              <p:ext uri="{D42A27DB-BD31-4B8C-83A1-F6EECF244321}">
+                <p14:modId xmlns:p14="http://schemas.microsoft.com/office/powerpoint/2010/main" val="1077266878"/>
+              </p:ext>
+            </p:extLst>
+          </p:nvPr>
+        </p:nvGraphicFramePr>
+        <p:xfrm>
+          <a:off x="1070053" y="4002859"/>
+          <a:ext cx="4302112" cy="476188"/>
+        </p:xfrm>
+        <a:graphic>
+          <a:graphicData uri="http://schemas.openxmlformats.org/presentationml/2006/ole">
+            <mc:AlternateContent xmlns:mc="http://schemas.openxmlformats.org/markup-compatibility/2006">
+              <mc:Choice xmlns:v="urn:schemas-microsoft-com:vml" Requires="v">
+                <p:oleObj spid="_x0000_s5137" name="Equation" r:id="rId13" imgW="2489200" imgH="279400" progId="Equation.DSMT4">
+                  <p:embed/>
+                </p:oleObj>
+              </mc:Choice>
+              <mc:Fallback>
+                <p:oleObj name="Equation" r:id="rId13" imgW="2489200" imgH="279400" progId="Equation.DSMT4">
+                  <p:embed/>
+                  <p:pic>
+                    <p:nvPicPr>
+                      <p:cNvPr id="0" name="Object 3"/>
+                      <p:cNvPicPr>
+                        <a:picLocks noChangeAspect="1" noChangeArrowheads="1"/>
+                      </p:cNvPicPr>
+                      <p:nvPr/>
+                    </p:nvPicPr>
+                    <p:blipFill>
+                      <a:blip r:embed="rId14">
+                        <a:extLst>
+                          <a:ext uri="{28A0092B-C50C-407E-A947-70E740481C1C}">
+                            <a14:useLocalDpi xmlns:a14="http://schemas.microsoft.com/office/drawing/2010/main" val="0"/>
+                          </a:ext>
+                        </a:extLst>
+                      </a:blip>
+                      <a:srcRect/>
+                      <a:stretch>
+                        <a:fillRect/>
+                      </a:stretch>
+                    </p:blipFill>
+                    <p:spPr bwMode="auto">
+                      <a:xfrm>
+                        <a:off x="1070053" y="4002859"/>
+                        <a:ext cx="4302112" cy="476188"/>
+                      </a:xfrm>
+                      <a:prstGeom prst="rect">
+                        <a:avLst/>
+                      </a:prstGeom>
+                      <a:noFill/>
+                    </p:spPr>
+                  </p:pic>
+                </p:oleObj>
+              </mc:Fallback>
+            </mc:AlternateContent>
+          </a:graphicData>
+        </a:graphic>
+      </p:graphicFrame>
+      <p:sp>
+        <p:nvSpPr>
+          <p:cNvPr id="22" name="文本框 21">
+            <a:extLst>
+              <a:ext uri="{FF2B5EF4-FFF2-40B4-BE49-F238E27FC236}">
+                <a16:creationId xmlns:a16="http://schemas.microsoft.com/office/drawing/2014/main" id="{9AFD6762-237B-4B99-B51E-85503B8007A7}"/>
+              </a:ext>
+            </a:extLst>
+          </p:cNvPr>
+          <p:cNvSpPr txBox="1"/>
+          <p:nvPr/>
+        </p:nvSpPr>
+        <p:spPr>
+          <a:xfrm>
+            <a:off x="468977" y="4790114"/>
+            <a:ext cx="2458781" cy="369332"/>
+          </a:xfrm>
+          <a:prstGeom prst="rect">
+            <a:avLst/>
+          </a:prstGeom>
+          <a:noFill/>
+        </p:spPr>
+        <p:txBody>
+          <a:bodyPr wrap="square" rtlCol="0">
+            <a:spAutoFit/>
+          </a:bodyPr>
+          <a:lstStyle/>
+          <a:p>
+            <a:r>
+              <a:rPr lang="zh-CN" altLang="en-US" dirty="0"/>
+              <a:t>定义外差效率为</a:t>
+            </a:r>
+            <a:r>
+              <a:rPr lang="el-GR" altLang="zh-CN" dirty="0"/>
+              <a:t>η</a:t>
+            </a:r>
+            <a:r>
+              <a:rPr lang="en-US" altLang="zh-CN" baseline="-25000" dirty="0"/>
+              <a:t>q</a:t>
+            </a:r>
+            <a:endParaRPr lang="zh-CN" altLang="en-US" baseline="-25000" dirty="0"/>
+          </a:p>
+        </p:txBody>
+      </p:sp>
+      <p:graphicFrame>
+        <p:nvGraphicFramePr>
+          <p:cNvPr id="24" name="对象 23">
+            <a:extLst>
+              <a:ext uri="{FF2B5EF4-FFF2-40B4-BE49-F238E27FC236}">
+                <a16:creationId xmlns:a16="http://schemas.microsoft.com/office/drawing/2014/main" id="{A34687B6-6305-4F4E-B6CD-96BAAAAB6840}"/>
+              </a:ext>
+            </a:extLst>
+          </p:cNvPr>
+          <p:cNvGraphicFramePr>
+            <a:graphicFrameLocks noChangeAspect="1"/>
+          </p:cNvGraphicFramePr>
+          <p:nvPr>
+            <p:extLst>
+              <p:ext uri="{D42A27DB-BD31-4B8C-83A1-F6EECF244321}">
+                <p14:modId xmlns:p14="http://schemas.microsoft.com/office/powerpoint/2010/main" val="3366153616"/>
+              </p:ext>
+            </p:extLst>
+          </p:nvPr>
+        </p:nvGraphicFramePr>
+        <p:xfrm>
+          <a:off x="2400800" y="5319064"/>
+          <a:ext cx="1188139" cy="594070"/>
+        </p:xfrm>
+        <a:graphic>
+          <a:graphicData uri="http://schemas.openxmlformats.org/presentationml/2006/ole">
+            <mc:AlternateContent xmlns:mc="http://schemas.openxmlformats.org/markup-compatibility/2006">
+              <mc:Choice xmlns:v="urn:schemas-microsoft-com:vml" Requires="v">
+                <p:oleObj spid="_x0000_s5138" name="Equation" r:id="rId15" imgW="609336" imgH="304668" progId="Equation.DSMT4">
+                  <p:embed/>
+                </p:oleObj>
+              </mc:Choice>
+              <mc:Fallback>
+                <p:oleObj name="Equation" r:id="rId15" imgW="609336" imgH="304668" progId="Equation.DSMT4">
+                  <p:embed/>
+                  <p:pic>
+                    <p:nvPicPr>
+                      <p:cNvPr id="0" name="Object 5"/>
+                      <p:cNvPicPr>
+                        <a:picLocks noChangeAspect="1" noChangeArrowheads="1"/>
+                      </p:cNvPicPr>
+                      <p:nvPr/>
+                    </p:nvPicPr>
+                    <p:blipFill>
+                      <a:blip r:embed="rId16">
+                        <a:extLst>
+                          <a:ext uri="{28A0092B-C50C-407E-A947-70E740481C1C}">
+                            <a14:useLocalDpi xmlns:a14="http://schemas.microsoft.com/office/drawing/2010/main" val="0"/>
+                          </a:ext>
+                        </a:extLst>
+                      </a:blip>
+                      <a:srcRect/>
+                      <a:stretch>
+                        <a:fillRect/>
+                      </a:stretch>
+                    </p:blipFill>
+                    <p:spPr bwMode="auto">
+                      <a:xfrm>
+                        <a:off x="2400800" y="5319064"/>
+                        <a:ext cx="1188139" cy="594070"/>
+                      </a:xfrm>
+                      <a:prstGeom prst="rect">
+                        <a:avLst/>
+                      </a:prstGeom>
+                      <a:noFill/>
+                    </p:spPr>
+                  </p:pic>
+                </p:oleObj>
+              </mc:Fallback>
+            </mc:AlternateContent>
+          </a:graphicData>
+        </a:graphic>
+      </p:graphicFrame>
+    </p:spTree>
+    <p:extLst>
+      <p:ext uri="{BB962C8B-B14F-4D97-AF65-F5344CB8AC3E}">
+        <p14:creationId xmlns:p14="http://schemas.microsoft.com/office/powerpoint/2010/main" val="2430914546"/>
+      </p:ext>
+    </p:extLst>
+  </p:cSld>
+  <p:clrMapOvr>
+    <a:masterClrMapping/>
+  </p:clrMapOvr>
+</p:sld>
+</file>
+
+<file path=ppt/slides/slide14.xml><?xml version="1.0" encoding="utf-8"?>
+<p:sld xmlns:a="http://schemas.openxmlformats.org/drawingml/2006/main" xmlns:r="http://schemas.openxmlformats.org/officeDocument/2006/relationships" xmlns:p="http://schemas.openxmlformats.org/presentationml/2006/main">
+  <p:cSld>
+    <p:spTree>
+      <p:nvGrpSpPr>
+        <p:cNvPr id="1" name=""/>
+        <p:cNvGrpSpPr/>
+        <p:nvPr/>
+      </p:nvGrpSpPr>
+      <p:grpSpPr>
+        <a:xfrm>
+          <a:off x="0" y="0"/>
+          <a:ext cx="0" cy="0"/>
+          <a:chOff x="0" y="0"/>
+          <a:chExt cx="0" cy="0"/>
+        </a:xfrm>
+      </p:grpSpPr>
+      <p:sp>
+        <p:nvSpPr>
+          <p:cNvPr id="2" name="标题 1">
+            <a:extLst>
+              <a:ext uri="{FF2B5EF4-FFF2-40B4-BE49-F238E27FC236}">
+                <a16:creationId xmlns:a16="http://schemas.microsoft.com/office/drawing/2014/main" id="{8AB62912-49B0-48F8-BAAA-4A9F580A7584}"/>
+              </a:ext>
+            </a:extLst>
+          </p:cNvPr>
+          <p:cNvSpPr>
+            <a:spLocks noGrp="1"/>
+          </p:cNvSpPr>
+          <p:nvPr>
+            <p:ph type="title"/>
+          </p:nvPr>
+        </p:nvSpPr>
+        <p:spPr/>
+        <p:txBody>
+          <a:bodyPr/>
+          <a:lstStyle/>
+          <a:p>
+            <a:r>
+              <a:rPr lang="zh-CN" altLang="en-US" dirty="0"/>
+              <a:t>差分波前传感技术</a:t>
+            </a:r>
+          </a:p>
+        </p:txBody>
+      </p:sp>
+      <p:pic>
+        <p:nvPicPr>
+          <p:cNvPr id="3" name="图片 2">
+            <a:extLst>
+              <a:ext uri="{FF2B5EF4-FFF2-40B4-BE49-F238E27FC236}">
+                <a16:creationId xmlns:a16="http://schemas.microsoft.com/office/drawing/2014/main" id="{4FC90A1D-7B62-454B-B8D1-E1523DDE7E18}"/>
+              </a:ext>
+            </a:extLst>
+          </p:cNvPr>
+          <p:cNvPicPr>
+            <a:picLocks noChangeAspect="1"/>
+          </p:cNvPicPr>
+          <p:nvPr/>
+        </p:nvPicPr>
+        <p:blipFill>
+          <a:blip r:embed="rId2">
+            <a:extLst>
+              <a:ext uri="{28A0092B-C50C-407E-A947-70E740481C1C}">
+                <a14:useLocalDpi xmlns:a14="http://schemas.microsoft.com/office/drawing/2010/main" val="0"/>
+              </a:ext>
+            </a:extLst>
+          </a:blip>
+          <a:srcRect/>
+          <a:stretch>
+            <a:fillRect/>
+          </a:stretch>
+        </p:blipFill>
+        <p:spPr bwMode="auto">
+          <a:xfrm>
+            <a:off x="4897678" y="822325"/>
+            <a:ext cx="3656328" cy="2919165"/>
+          </a:xfrm>
+          <a:prstGeom prst="rect">
+            <a:avLst/>
+          </a:prstGeom>
+          <a:noFill/>
+          <a:ln>
+            <a:noFill/>
+          </a:ln>
+        </p:spPr>
+      </p:pic>
+      <p:sp>
+        <p:nvSpPr>
+          <p:cNvPr id="4" name="文本框 3">
+            <a:extLst>
+              <a:ext uri="{FF2B5EF4-FFF2-40B4-BE49-F238E27FC236}">
+                <a16:creationId xmlns:a16="http://schemas.microsoft.com/office/drawing/2014/main" id="{15BAF045-9B62-4AFD-B961-23BDC58E9F72}"/>
+              </a:ext>
+            </a:extLst>
+          </p:cNvPr>
+          <p:cNvSpPr txBox="1"/>
+          <p:nvPr/>
+        </p:nvSpPr>
+        <p:spPr>
+          <a:xfrm>
+            <a:off x="250825" y="1077400"/>
+            <a:ext cx="4362274" cy="369332"/>
+          </a:xfrm>
+          <a:prstGeom prst="rect">
+            <a:avLst/>
+          </a:prstGeom>
+          <a:noFill/>
+        </p:spPr>
+        <p:txBody>
+          <a:bodyPr wrap="square" rtlCol="0">
+            <a:spAutoFit/>
+          </a:bodyPr>
+          <a:lstStyle/>
+          <a:p>
+            <a:r>
+              <a:rPr lang="zh-CN" altLang="en-US" dirty="0"/>
+              <a:t>计算</a:t>
+            </a:r>
+            <a:r>
+              <a:rPr lang="en-US" altLang="zh-CN" dirty="0"/>
+              <a:t>QPD</a:t>
+            </a:r>
+            <a:r>
+              <a:rPr lang="zh-CN" altLang="en-US" dirty="0"/>
+              <a:t>的外差效率随偏转角度的变化</a:t>
+            </a:r>
+          </a:p>
+        </p:txBody>
+      </p:sp>
+      <p:sp>
+        <p:nvSpPr>
+          <p:cNvPr id="5" name="文本框 4">
+            <a:extLst>
+              <a:ext uri="{FF2B5EF4-FFF2-40B4-BE49-F238E27FC236}">
+                <a16:creationId xmlns:a16="http://schemas.microsoft.com/office/drawing/2014/main" id="{C9CA9E4D-A6B7-4EA5-A0FB-F9C2D787C8C5}"/>
+              </a:ext>
+            </a:extLst>
+          </p:cNvPr>
+          <p:cNvSpPr txBox="1"/>
+          <p:nvPr/>
+        </p:nvSpPr>
+        <p:spPr>
+          <a:xfrm>
+            <a:off x="208245" y="1768540"/>
+            <a:ext cx="4362274" cy="646331"/>
+          </a:xfrm>
+          <a:prstGeom prst="rect">
+            <a:avLst/>
+          </a:prstGeom>
+          <a:noFill/>
+        </p:spPr>
+        <p:txBody>
+          <a:bodyPr wrap="square" rtlCol="0">
+            <a:spAutoFit/>
+          </a:bodyPr>
+          <a:lstStyle/>
+          <a:p>
+            <a:r>
+              <a:rPr lang="zh-CN" altLang="en-US" dirty="0"/>
+              <a:t>当偏转角度增大，外差效率减小；</a:t>
+            </a:r>
+            <a:endParaRPr lang="en-US" altLang="zh-CN" dirty="0"/>
+          </a:p>
+          <a:p>
+            <a:r>
+              <a:rPr lang="zh-CN" altLang="en-US" dirty="0"/>
+              <a:t>偏转角度为</a:t>
+            </a:r>
+            <a:r>
+              <a:rPr lang="en-US" altLang="zh-CN" dirty="0"/>
+              <a:t>2mrad</a:t>
+            </a:r>
+            <a:r>
+              <a:rPr lang="zh-CN" altLang="en-US" dirty="0"/>
+              <a:t>时，外差效率降到</a:t>
+            </a:r>
+            <a:r>
+              <a:rPr lang="en-US" altLang="zh-CN" dirty="0"/>
+              <a:t>40%</a:t>
+            </a:r>
+            <a:endParaRPr lang="zh-CN" altLang="en-US" dirty="0"/>
+          </a:p>
+        </p:txBody>
+      </p:sp>
+      <p:pic>
+        <p:nvPicPr>
+          <p:cNvPr id="6" name="图片 5">
+            <a:extLst>
+              <a:ext uri="{FF2B5EF4-FFF2-40B4-BE49-F238E27FC236}">
+                <a16:creationId xmlns:a16="http://schemas.microsoft.com/office/drawing/2014/main" id="{1A6C1433-45F2-4937-9682-94217E3BB53D}"/>
+              </a:ext>
+            </a:extLst>
+          </p:cNvPr>
+          <p:cNvPicPr>
+            <a:picLocks noChangeAspect="1"/>
+          </p:cNvPicPr>
+          <p:nvPr/>
+        </p:nvPicPr>
+        <p:blipFill>
+          <a:blip r:embed="rId3">
+            <a:extLst>
+              <a:ext uri="{28A0092B-C50C-407E-A947-70E740481C1C}">
+                <a14:useLocalDpi xmlns:a14="http://schemas.microsoft.com/office/drawing/2010/main" val="0"/>
+              </a:ext>
+            </a:extLst>
+          </a:blip>
+          <a:srcRect/>
+          <a:stretch>
+            <a:fillRect/>
+          </a:stretch>
+        </p:blipFill>
+        <p:spPr bwMode="auto">
+          <a:xfrm>
+            <a:off x="4897677" y="3741490"/>
+            <a:ext cx="3903507" cy="3116510"/>
+          </a:xfrm>
+          <a:prstGeom prst="rect">
+            <a:avLst/>
+          </a:prstGeom>
+          <a:noFill/>
+          <a:ln>
+            <a:noFill/>
+          </a:ln>
+        </p:spPr>
+      </p:pic>
+      <p:sp>
+        <p:nvSpPr>
+          <p:cNvPr id="7" name="文本框 6">
+            <a:extLst>
+              <a:ext uri="{FF2B5EF4-FFF2-40B4-BE49-F238E27FC236}">
+                <a16:creationId xmlns:a16="http://schemas.microsoft.com/office/drawing/2014/main" id="{D39A9081-38D1-4D0B-A238-FC22E2DD3900}"/>
+              </a:ext>
+            </a:extLst>
+          </p:cNvPr>
+          <p:cNvSpPr txBox="1"/>
+          <p:nvPr/>
+        </p:nvSpPr>
+        <p:spPr>
+          <a:xfrm>
+            <a:off x="453006" y="4631825"/>
+            <a:ext cx="3656328" cy="923330"/>
+          </a:xfrm>
+          <a:prstGeom prst="rect">
+            <a:avLst/>
+          </a:prstGeom>
+          <a:noFill/>
+        </p:spPr>
+        <p:txBody>
+          <a:bodyPr wrap="square" rtlCol="0">
+            <a:spAutoFit/>
+          </a:bodyPr>
+          <a:lstStyle/>
+          <a:p>
+            <a:r>
+              <a:rPr lang="zh-CN" altLang="en-US" dirty="0"/>
+              <a:t>比较不同尺寸的探测像元的外差效率，可以看出，探测面越小，外差效率越大</a:t>
+            </a:r>
+          </a:p>
+        </p:txBody>
+      </p:sp>
+    </p:spTree>
+    <p:extLst>
+      <p:ext uri="{BB962C8B-B14F-4D97-AF65-F5344CB8AC3E}">
+        <p14:creationId xmlns:p14="http://schemas.microsoft.com/office/powerpoint/2010/main" val="3927067404"/>
+      </p:ext>
+    </p:extLst>
+  </p:cSld>
+  <p:clrMapOvr>
+    <a:masterClrMapping/>
+  </p:clrMapOvr>
+</p:sld>
+</file>
+
+<file path=ppt/slides/slide15.xml><?xml version="1.0" encoding="utf-8"?>
+<p:sld xmlns:a="http://schemas.openxmlformats.org/drawingml/2006/main" xmlns:r="http://schemas.openxmlformats.org/officeDocument/2006/relationships" xmlns:p="http://schemas.openxmlformats.org/presentationml/2006/main">
+  <p:cSld>
+    <p:spTree>
+      <p:nvGrpSpPr>
+        <p:cNvPr id="1" name=""/>
+        <p:cNvGrpSpPr/>
+        <p:nvPr/>
+      </p:nvGrpSpPr>
+      <p:grpSpPr>
+        <a:xfrm>
+          <a:off x="0" y="0"/>
+          <a:ext cx="0" cy="0"/>
+          <a:chOff x="0" y="0"/>
+          <a:chExt cx="0" cy="0"/>
+        </a:xfrm>
+      </p:grpSpPr>
+      <p:sp>
+        <p:nvSpPr>
+          <p:cNvPr id="2" name="标题 1">
+            <a:extLst>
+              <a:ext uri="{FF2B5EF4-FFF2-40B4-BE49-F238E27FC236}">
+                <a16:creationId xmlns:a16="http://schemas.microsoft.com/office/drawing/2014/main" id="{E8E3FEC6-3D7D-4257-9C17-E2E18F2BD49A}"/>
+              </a:ext>
+            </a:extLst>
+          </p:cNvPr>
+          <p:cNvSpPr>
+            <a:spLocks noGrp="1"/>
+          </p:cNvSpPr>
+          <p:nvPr>
+            <p:ph type="title"/>
+          </p:nvPr>
+        </p:nvSpPr>
+        <p:spPr/>
+        <p:txBody>
+          <a:bodyPr/>
+          <a:lstStyle/>
+          <a:p>
+            <a:r>
+              <a:rPr lang="zh-CN" altLang="en-US" dirty="0"/>
+              <a:t>差分波前传感</a:t>
+            </a:r>
+          </a:p>
+        </p:txBody>
+      </p:sp>
+      <p:pic>
+        <p:nvPicPr>
+          <p:cNvPr id="3" name="图片 2">
+            <a:extLst>
+              <a:ext uri="{FF2B5EF4-FFF2-40B4-BE49-F238E27FC236}">
+                <a16:creationId xmlns:a16="http://schemas.microsoft.com/office/drawing/2014/main" id="{06D51410-1736-4BEB-AB38-20858AEDF7F0}"/>
+              </a:ext>
+            </a:extLst>
+          </p:cNvPr>
+          <p:cNvPicPr>
+            <a:picLocks noChangeAspect="1"/>
+          </p:cNvPicPr>
+          <p:nvPr/>
+        </p:nvPicPr>
+        <p:blipFill>
+          <a:blip r:embed="rId2">
+            <a:extLst>
+              <a:ext uri="{28A0092B-C50C-407E-A947-70E740481C1C}">
+                <a14:useLocalDpi xmlns:a14="http://schemas.microsoft.com/office/drawing/2010/main" val="0"/>
+              </a:ext>
+            </a:extLst>
+          </a:blip>
+          <a:srcRect/>
+          <a:stretch>
+            <a:fillRect/>
+          </a:stretch>
+        </p:blipFill>
+        <p:spPr bwMode="auto">
+          <a:xfrm>
+            <a:off x="1953460" y="2205873"/>
+            <a:ext cx="4514768" cy="3604532"/>
+          </a:xfrm>
+          <a:prstGeom prst="rect">
+            <a:avLst/>
+          </a:prstGeom>
+          <a:noFill/>
+          <a:ln>
+            <a:noFill/>
+          </a:ln>
+        </p:spPr>
+      </p:pic>
+      <p:sp>
+        <p:nvSpPr>
+          <p:cNvPr id="4" name="文本框 3">
+            <a:extLst>
+              <a:ext uri="{FF2B5EF4-FFF2-40B4-BE49-F238E27FC236}">
+                <a16:creationId xmlns:a16="http://schemas.microsoft.com/office/drawing/2014/main" id="{667B5A81-3011-4C25-92CF-B4E22A56F781}"/>
+              </a:ext>
+            </a:extLst>
+          </p:cNvPr>
+          <p:cNvSpPr txBox="1"/>
+          <p:nvPr/>
+        </p:nvSpPr>
+        <p:spPr>
+          <a:xfrm>
+            <a:off x="738230" y="1329433"/>
+            <a:ext cx="5914239" cy="369332"/>
+          </a:xfrm>
+          <a:prstGeom prst="rect">
+            <a:avLst/>
+          </a:prstGeom>
+          <a:noFill/>
+        </p:spPr>
+        <p:txBody>
+          <a:bodyPr wrap="square" rtlCol="0">
+            <a:spAutoFit/>
+          </a:bodyPr>
+          <a:lstStyle/>
+          <a:p>
+            <a:r>
+              <a:rPr lang="zh-CN" altLang="en-US" dirty="0"/>
+              <a:t>要想外差效率达到</a:t>
+            </a:r>
+            <a:r>
+              <a:rPr lang="en-US" altLang="zh-CN" dirty="0"/>
+              <a:t>80%</a:t>
+            </a:r>
+            <a:r>
+              <a:rPr lang="zh-CN" altLang="en-US" dirty="0"/>
+              <a:t>，像元尺寸必须小于</a:t>
+            </a:r>
+            <a:r>
+              <a:rPr lang="en-US" altLang="zh-CN" dirty="0"/>
+              <a:t>30um</a:t>
+            </a:r>
+            <a:endParaRPr lang="zh-CN" altLang="en-US" dirty="0"/>
+          </a:p>
+        </p:txBody>
+      </p:sp>
+    </p:spTree>
+    <p:extLst>
+      <p:ext uri="{BB962C8B-B14F-4D97-AF65-F5344CB8AC3E}">
+        <p14:creationId xmlns:p14="http://schemas.microsoft.com/office/powerpoint/2010/main" val="155344541"/>
+      </p:ext>
+    </p:extLst>
+  </p:cSld>
+  <p:clrMapOvr>
+    <a:masterClrMapping/>
+  </p:clrMapOvr>
+</p:sld>
+</file>
+
+<file path=ppt/slides/slide16.xml><?xml version="1.0" encoding="utf-8"?>
+<p:sld xmlns:a="http://schemas.openxmlformats.org/drawingml/2006/main" xmlns:r="http://schemas.openxmlformats.org/officeDocument/2006/relationships" xmlns:p="http://schemas.openxmlformats.org/presentationml/2006/main">
+  <p:cSld>
+    <p:spTree>
+      <p:nvGrpSpPr>
+        <p:cNvPr id="1" name=""/>
+        <p:cNvGrpSpPr/>
+        <p:nvPr/>
+      </p:nvGrpSpPr>
+      <p:grpSpPr>
+        <a:xfrm>
+          <a:off x="0" y="0"/>
+          <a:ext cx="0" cy="0"/>
+          <a:chOff x="0" y="0"/>
+          <a:chExt cx="0" cy="0"/>
+        </a:xfrm>
+      </p:grpSpPr>
+      <p:sp>
+        <p:nvSpPr>
+          <p:cNvPr id="2" name="标题 1">
+            <a:extLst>
+              <a:ext uri="{FF2B5EF4-FFF2-40B4-BE49-F238E27FC236}">
+                <a16:creationId xmlns:a16="http://schemas.microsoft.com/office/drawing/2014/main" id="{C6EE2BD6-BC92-4BE0-A791-A0CCD8B1ABA3}"/>
+              </a:ext>
+            </a:extLst>
+          </p:cNvPr>
+          <p:cNvSpPr>
+            <a:spLocks noGrp="1"/>
+          </p:cNvSpPr>
+          <p:nvPr>
+            <p:ph type="title"/>
+          </p:nvPr>
+        </p:nvSpPr>
+        <p:spPr/>
+        <p:txBody>
+          <a:bodyPr/>
+          <a:lstStyle/>
+          <a:p>
+            <a:r>
+              <a:rPr lang="en-US" altLang="zh-CN" dirty="0"/>
+              <a:t>End</a:t>
+            </a:r>
+            <a:endParaRPr lang="zh-CN" altLang="en-US" dirty="0"/>
+          </a:p>
+        </p:txBody>
+      </p:sp>
+      <p:sp>
+        <p:nvSpPr>
+          <p:cNvPr id="3" name="文本框 2">
+            <a:extLst>
+              <a:ext uri="{FF2B5EF4-FFF2-40B4-BE49-F238E27FC236}">
+                <a16:creationId xmlns:a16="http://schemas.microsoft.com/office/drawing/2014/main" id="{1844A2A5-6D5C-4D2E-AEBA-6BA1F3DE437E}"/>
+              </a:ext>
+            </a:extLst>
+          </p:cNvPr>
+          <p:cNvSpPr txBox="1"/>
+          <p:nvPr/>
+        </p:nvSpPr>
+        <p:spPr>
+          <a:xfrm>
+            <a:off x="1472275" y="2721114"/>
+            <a:ext cx="6199450" cy="707886"/>
+          </a:xfrm>
+          <a:prstGeom prst="rect">
+            <a:avLst/>
+          </a:prstGeom>
+          <a:noFill/>
+        </p:spPr>
+        <p:txBody>
+          <a:bodyPr wrap="square" rtlCol="0">
+            <a:spAutoFit/>
+          </a:bodyPr>
+          <a:lstStyle/>
+          <a:p>
+            <a:pPr algn="ctr"/>
+            <a:r>
+              <a:rPr lang="en-US" altLang="zh-CN" sz="4000" dirty="0"/>
+              <a:t>Thank You</a:t>
+            </a:r>
+            <a:endParaRPr lang="zh-CN" altLang="en-US" sz="4000" dirty="0"/>
+          </a:p>
+        </p:txBody>
+      </p:sp>
+    </p:spTree>
+    <p:extLst>
+      <p:ext uri="{BB962C8B-B14F-4D97-AF65-F5344CB8AC3E}">
+        <p14:creationId xmlns:p14="http://schemas.microsoft.com/office/powerpoint/2010/main" val="3120926319"/>
       </p:ext>
     </p:extLst>
   </p:cSld>
@@ -8087,7 +11598,7 @@
         <p:spPr>
           <a:xfrm>
             <a:off x="210597" y="3830288"/>
-            <a:ext cx="2886658" cy="2862322"/>
+            <a:ext cx="2886658" cy="3277820"/>
           </a:xfrm>
           <a:prstGeom prst="rect">
             <a:avLst/>
@@ -8104,6 +11615,22 @@
                 <a:spcPct val="150000"/>
               </a:lnSpc>
             </a:pPr>
+            <a:r>
+              <a:rPr lang="en-US" altLang="zh-CN" dirty="0">
+                <a:latin typeface="Times New Roman" panose="02020603050405020304" pitchFamily="18" charset="0"/>
+                <a:ea typeface="黑体" panose="02010609060101010101" pitchFamily="49" charset="-122"/>
+                <a:cs typeface="Times New Roman" panose="02020603050405020304" pitchFamily="18" charset="0"/>
+              </a:rPr>
+              <a:t>1974</a:t>
+            </a:r>
+            <a:r>
+              <a:rPr lang="zh-CN" altLang="en-US" dirty="0">
+                <a:latin typeface="Times New Roman" panose="02020603050405020304" pitchFamily="18" charset="0"/>
+                <a:ea typeface="黑体" panose="02010609060101010101" pitchFamily="49" charset="-122"/>
+                <a:cs typeface="Times New Roman" panose="02020603050405020304" pitchFamily="18" charset="0"/>
+              </a:rPr>
+              <a:t>年，</a:t>
+            </a:r>
             <a:r>
               <a:rPr lang="zh-CN" altLang="zh-CN" b="1" dirty="0">
                 <a:solidFill>
@@ -8424,6 +11951,22 @@
                 <a:cs typeface="Times New Roman" panose="02020603050405020304" pitchFamily="18" charset="0"/>
               </a:rPr>
               <a:t>LIGO</a:t>
+            </a:r>
+            <a:r>
+              <a:rPr lang="zh-CN" altLang="en-US" dirty="0">
+                <a:latin typeface="Times New Roman" panose="02020603050405020304" pitchFamily="18" charset="0"/>
+                <a:ea typeface="黑体" panose="02010609060101010101" pitchFamily="49" charset="-122"/>
+                <a:cs typeface="Times New Roman" panose="02020603050405020304" pitchFamily="18" charset="0"/>
+              </a:rPr>
+              <a:t>，臂长为</a:t>
+            </a:r>
+            <a:r>
+              <a:rPr lang="en-US" altLang="zh-CN" dirty="0">
+                <a:latin typeface="Times New Roman" panose="02020603050405020304" pitchFamily="18" charset="0"/>
+                <a:ea typeface="黑体" panose="02010609060101010101" pitchFamily="49" charset="-122"/>
+                <a:cs typeface="Times New Roman" panose="02020603050405020304" pitchFamily="18" charset="0"/>
+              </a:rPr>
+              <a:t>4km</a:t>
             </a:r>
             <a:r>
               <a:rPr lang="zh-CN" altLang="en-US" dirty="0">
@@ -8971,6 +12514,627 @@
           <p:cNvPr id="2" name="标题 1">
             <a:extLst>
               <a:ext uri="{FF2B5EF4-FFF2-40B4-BE49-F238E27FC236}">
+                <a16:creationId xmlns:a16="http://schemas.microsoft.com/office/drawing/2014/main" id="{58A19723-9301-4800-852F-2AFF6C1469F3}"/>
+              </a:ext>
+            </a:extLst>
+          </p:cNvPr>
+          <p:cNvSpPr>
+            <a:spLocks noGrp="1"/>
+          </p:cNvSpPr>
+          <p:nvPr>
+            <p:ph type="title"/>
+          </p:nvPr>
+        </p:nvSpPr>
+        <p:spPr/>
+        <p:txBody>
+          <a:bodyPr/>
+          <a:lstStyle/>
+          <a:p>
+            <a:r>
+              <a:rPr lang="zh-CN" altLang="en-US" dirty="0"/>
+              <a:t>引力波探测</a:t>
+            </a:r>
+          </a:p>
+        </p:txBody>
+      </p:sp>
+      <p:sp>
+        <p:nvSpPr>
+          <p:cNvPr id="3" name="文本框 2">
+            <a:extLst>
+              <a:ext uri="{FF2B5EF4-FFF2-40B4-BE49-F238E27FC236}">
+                <a16:creationId xmlns:a16="http://schemas.microsoft.com/office/drawing/2014/main" id="{1420975D-69DA-491E-AEB9-AB9EAC70AAF2}"/>
+              </a:ext>
+            </a:extLst>
+          </p:cNvPr>
+          <p:cNvSpPr txBox="1"/>
+          <p:nvPr/>
+        </p:nvSpPr>
+        <p:spPr>
+          <a:xfrm>
+            <a:off x="750392" y="1208015"/>
+            <a:ext cx="7579876" cy="923330"/>
+          </a:xfrm>
+          <a:prstGeom prst="rect">
+            <a:avLst/>
+          </a:prstGeom>
+          <a:noFill/>
+        </p:spPr>
+        <p:txBody>
+          <a:bodyPr wrap="square" rtlCol="0">
+            <a:spAutoFit/>
+          </a:bodyPr>
+          <a:lstStyle/>
+          <a:p>
+            <a:r>
+              <a:rPr lang="zh-CN" altLang="en-US" dirty="0"/>
+              <a:t>已经被探测到的是高频引力波。由于地面噪声的影响，地面激光干涉仪无法探测到低频引力波。科学家开始把目光放到太空，并着手设计天基引力波探测器。</a:t>
+            </a:r>
+          </a:p>
+        </p:txBody>
+      </p:sp>
+      <p:sp>
+        <p:nvSpPr>
+          <p:cNvPr id="4" name="文本框 3">
+            <a:extLst>
+              <a:ext uri="{FF2B5EF4-FFF2-40B4-BE49-F238E27FC236}">
+                <a16:creationId xmlns:a16="http://schemas.microsoft.com/office/drawing/2014/main" id="{B8B7D19A-5D05-44A7-A46A-0774E8B6D9E0}"/>
+              </a:ext>
+            </a:extLst>
+          </p:cNvPr>
+          <p:cNvSpPr txBox="1"/>
+          <p:nvPr/>
+        </p:nvSpPr>
+        <p:spPr>
+          <a:xfrm>
+            <a:off x="812577" y="4796260"/>
+            <a:ext cx="7518845" cy="1538883"/>
+          </a:xfrm>
+          <a:prstGeom prst="rect">
+            <a:avLst/>
+          </a:prstGeom>
+          <a:noFill/>
+        </p:spPr>
+        <p:txBody>
+          <a:bodyPr wrap="square" rtlCol="0">
+            <a:spAutoFit/>
+          </a:bodyPr>
+          <a:lstStyle/>
+          <a:p>
+            <a:r>
+              <a:rPr lang="en-US" altLang="zh-CN" sz="2200" b="1" dirty="0">
+                <a:solidFill>
+                  <a:srgbClr val="FF0000"/>
+                </a:solidFill>
+              </a:rPr>
+              <a:t>LISA</a:t>
+            </a:r>
+            <a:r>
+              <a:rPr lang="en-US" altLang="zh-CN" dirty="0"/>
+              <a:t>(Laser Interferometer Space Antenna)</a:t>
+            </a:r>
+            <a:r>
+              <a:rPr lang="zh-CN" altLang="en-US" dirty="0"/>
+              <a:t>是</a:t>
+            </a:r>
+            <a:r>
+              <a:rPr lang="en-US" altLang="zh-CN" dirty="0"/>
+              <a:t>NASA</a:t>
+            </a:r>
+            <a:r>
+              <a:rPr lang="zh-CN" altLang="en-US" dirty="0"/>
+              <a:t>和欧空局合作的引力波探测计划。</a:t>
+            </a:r>
+            <a:r>
+              <a:rPr lang="en-US" altLang="zh-CN" dirty="0"/>
+              <a:t>LISA</a:t>
+            </a:r>
+            <a:r>
+              <a:rPr lang="zh-CN" altLang="en-US" dirty="0"/>
+              <a:t>由三个相同的航天器构成为一个边长为五百万千米的等边三角形，即每两个航天器之间的夹角为</a:t>
+            </a:r>
+            <a:r>
+              <a:rPr lang="en-US" altLang="zh-CN" dirty="0"/>
+              <a:t>60°</a:t>
+            </a:r>
+            <a:r>
+              <a:rPr lang="zh-CN" altLang="en-US" dirty="0"/>
+              <a:t>。</a:t>
+            </a:r>
+            <a:endParaRPr lang="en-US" altLang="zh-CN" dirty="0"/>
+          </a:p>
+          <a:p>
+            <a:endParaRPr lang="en-US" altLang="zh-CN" dirty="0"/>
+          </a:p>
+          <a:p>
+            <a:r>
+              <a:rPr lang="zh-CN" altLang="en-US" dirty="0"/>
+              <a:t>引力波波段范围为</a:t>
+            </a:r>
+            <a:r>
+              <a:rPr lang="en-US" altLang="zh-CN" dirty="0"/>
+              <a:t>10</a:t>
+            </a:r>
+            <a:r>
+              <a:rPr lang="en-US" altLang="zh-CN" baseline="30000" dirty="0"/>
+              <a:t>-4</a:t>
+            </a:r>
+            <a:r>
+              <a:rPr lang="en-US" altLang="zh-CN" dirty="0"/>
+              <a:t>~10</a:t>
+            </a:r>
+            <a:r>
+              <a:rPr lang="en-US" altLang="zh-CN" baseline="30000" dirty="0"/>
+              <a:t>-1</a:t>
+            </a:r>
+            <a:r>
+              <a:rPr lang="en-US" altLang="zh-CN" dirty="0"/>
+              <a:t>Hz</a:t>
+            </a:r>
+            <a:endParaRPr lang="zh-CN" altLang="en-US" dirty="0"/>
+          </a:p>
+        </p:txBody>
+      </p:sp>
+      <p:pic>
+        <p:nvPicPr>
+          <p:cNvPr id="1026" name="Picture 2" descr="https://upload.wikimedia.org/wikipedia/commons/thumb/e/e2/LISA_orbits6.jpg/300px-LISA_orbits6.jpg">
+            <a:extLst>
+              <a:ext uri="{FF2B5EF4-FFF2-40B4-BE49-F238E27FC236}">
+                <a16:creationId xmlns:a16="http://schemas.microsoft.com/office/drawing/2014/main" id="{FE2F8516-C2A2-48D2-A213-2389CF883A17}"/>
+              </a:ext>
+            </a:extLst>
+          </p:cNvPr>
+          <p:cNvPicPr>
+            <a:picLocks noChangeAspect="1" noChangeArrowheads="1"/>
+          </p:cNvPicPr>
+          <p:nvPr/>
+        </p:nvPicPr>
+        <p:blipFill>
+          <a:blip r:embed="rId2">
+            <a:extLst>
+              <a:ext uri="{28A0092B-C50C-407E-A947-70E740481C1C}">
+                <a14:useLocalDpi xmlns:a14="http://schemas.microsoft.com/office/drawing/2010/main" val="0"/>
+              </a:ext>
+            </a:extLst>
+          </a:blip>
+          <a:srcRect/>
+          <a:stretch>
+            <a:fillRect/>
+          </a:stretch>
+        </p:blipFill>
+        <p:spPr bwMode="auto">
+          <a:xfrm>
+            <a:off x="767680" y="2356487"/>
+            <a:ext cx="2847975" cy="1971675"/>
+          </a:xfrm>
+          <a:prstGeom prst="rect">
+            <a:avLst/>
+          </a:prstGeom>
+          <a:noFill/>
+          <a:extLst>
+            <a:ext uri="{909E8E84-426E-40DD-AFC4-6F175D3DCCD1}">
+              <a14:hiddenFill xmlns:a14="http://schemas.microsoft.com/office/drawing/2010/main">
+                <a:solidFill>
+                  <a:srgbClr val="FFFFFF"/>
+                </a:solidFill>
+              </a14:hiddenFill>
+            </a:ext>
+          </a:extLst>
+        </p:spPr>
+      </p:pic>
+      <p:pic>
+        <p:nvPicPr>
+          <p:cNvPr id="1028" name="Picture 4" descr="https://www.elisascience.org/files/styles/fullsize/public/images/Schematic%20LISA%20triangle.jpg?itok=ZZAgEtKg">
+            <a:extLst>
+              <a:ext uri="{FF2B5EF4-FFF2-40B4-BE49-F238E27FC236}">
+                <a16:creationId xmlns:a16="http://schemas.microsoft.com/office/drawing/2014/main" id="{C1BA69B3-A61C-42A7-BCEC-28D8BCAA42C1}"/>
+              </a:ext>
+            </a:extLst>
+          </p:cNvPr>
+          <p:cNvPicPr>
+            <a:picLocks noChangeAspect="1" noChangeArrowheads="1"/>
+          </p:cNvPicPr>
+          <p:nvPr/>
+        </p:nvPicPr>
+        <p:blipFill>
+          <a:blip r:embed="rId3">
+            <a:extLst>
+              <a:ext uri="{28A0092B-C50C-407E-A947-70E740481C1C}">
+                <a14:useLocalDpi xmlns:a14="http://schemas.microsoft.com/office/drawing/2010/main" val="0"/>
+              </a:ext>
+            </a:extLst>
+          </a:blip>
+          <a:srcRect/>
+          <a:stretch>
+            <a:fillRect/>
+          </a:stretch>
+        </p:blipFill>
+        <p:spPr bwMode="auto">
+          <a:xfrm>
+            <a:off x="4387443" y="2356487"/>
+            <a:ext cx="3540153" cy="1997482"/>
+          </a:xfrm>
+          <a:prstGeom prst="rect">
+            <a:avLst/>
+          </a:prstGeom>
+          <a:noFill/>
+          <a:extLst>
+            <a:ext uri="{909E8E84-426E-40DD-AFC4-6F175D3DCCD1}">
+              <a14:hiddenFill xmlns:a14="http://schemas.microsoft.com/office/drawing/2010/main">
+                <a:solidFill>
+                  <a:srgbClr val="FFFFFF"/>
+                </a:solidFill>
+              </a14:hiddenFill>
+            </a:ext>
+          </a:extLst>
+        </p:spPr>
+      </p:pic>
+    </p:spTree>
+    <p:extLst>
+      <p:ext uri="{BB962C8B-B14F-4D97-AF65-F5344CB8AC3E}">
+        <p14:creationId xmlns:p14="http://schemas.microsoft.com/office/powerpoint/2010/main" val="1825673384"/>
+      </p:ext>
+    </p:extLst>
+  </p:cSld>
+  <p:clrMapOvr>
+    <a:masterClrMapping/>
+  </p:clrMapOvr>
+</p:sld>
+</file>
+
+<file path=ppt/slides/slide7.xml><?xml version="1.0" encoding="utf-8"?>
+<p:sld xmlns:a="http://schemas.openxmlformats.org/drawingml/2006/main" xmlns:r="http://schemas.openxmlformats.org/officeDocument/2006/relationships" xmlns:p="http://schemas.openxmlformats.org/presentationml/2006/main">
+  <p:cSld>
+    <p:spTree>
+      <p:nvGrpSpPr>
+        <p:cNvPr id="1" name=""/>
+        <p:cNvGrpSpPr/>
+        <p:nvPr/>
+      </p:nvGrpSpPr>
+      <p:grpSpPr>
+        <a:xfrm>
+          <a:off x="0" y="0"/>
+          <a:ext cx="0" cy="0"/>
+          <a:chOff x="0" y="0"/>
+          <a:chExt cx="0" cy="0"/>
+        </a:xfrm>
+      </p:grpSpPr>
+      <p:sp>
+        <p:nvSpPr>
+          <p:cNvPr id="2" name="标题 1">
+            <a:extLst>
+              <a:ext uri="{FF2B5EF4-FFF2-40B4-BE49-F238E27FC236}">
+                <a16:creationId xmlns:a16="http://schemas.microsoft.com/office/drawing/2014/main" id="{3862759B-B705-43B5-876F-7708698BA4D3}"/>
+              </a:ext>
+            </a:extLst>
+          </p:cNvPr>
+          <p:cNvSpPr>
+            <a:spLocks noGrp="1"/>
+          </p:cNvSpPr>
+          <p:nvPr>
+            <p:ph type="title"/>
+          </p:nvPr>
+        </p:nvSpPr>
+        <p:spPr/>
+        <p:txBody>
+          <a:bodyPr/>
+          <a:lstStyle/>
+          <a:p>
+            <a:r>
+              <a:rPr lang="zh-CN" altLang="en-US" dirty="0"/>
+              <a:t>引力波探测</a:t>
+            </a:r>
+          </a:p>
+        </p:txBody>
+      </p:sp>
+      <p:sp>
+        <p:nvSpPr>
+          <p:cNvPr id="3" name="文本框 2">
+            <a:extLst>
+              <a:ext uri="{FF2B5EF4-FFF2-40B4-BE49-F238E27FC236}">
+                <a16:creationId xmlns:a16="http://schemas.microsoft.com/office/drawing/2014/main" id="{CC3706AA-6BA3-4481-A640-D138845E8144}"/>
+              </a:ext>
+            </a:extLst>
+          </p:cNvPr>
+          <p:cNvSpPr txBox="1"/>
+          <p:nvPr/>
+        </p:nvSpPr>
+        <p:spPr>
+          <a:xfrm>
+            <a:off x="645952" y="1216187"/>
+            <a:ext cx="7164197" cy="923330"/>
+          </a:xfrm>
+          <a:prstGeom prst="rect">
+            <a:avLst/>
+          </a:prstGeom>
+          <a:noFill/>
+        </p:spPr>
+        <p:txBody>
+          <a:bodyPr wrap="square" rtlCol="0">
+            <a:spAutoFit/>
+          </a:bodyPr>
+          <a:lstStyle/>
+          <a:p>
+            <a:r>
+              <a:rPr lang="zh-CN" altLang="en-US" dirty="0"/>
+              <a:t>天琴计划是罗俊院士于</a:t>
+            </a:r>
+            <a:r>
+              <a:rPr lang="en-US" altLang="zh-CN" dirty="0"/>
+              <a:t>2016</a:t>
+            </a:r>
+            <a:r>
+              <a:rPr lang="zh-CN" altLang="en-US" dirty="0"/>
+              <a:t>年提出的空间引力波探测计划，其探测的频率范围为</a:t>
+            </a:r>
+            <a:r>
+              <a:rPr lang="en-US" altLang="zh-CN" dirty="0"/>
+              <a:t>10</a:t>
+            </a:r>
+            <a:r>
+              <a:rPr lang="en-US" altLang="zh-CN" baseline="30000" dirty="0"/>
+              <a:t>-3</a:t>
+            </a:r>
+            <a:r>
+              <a:rPr lang="en-US" altLang="zh-CN" dirty="0"/>
+              <a:t>~1Hz</a:t>
+            </a:r>
+            <a:r>
+              <a:rPr lang="zh-CN" altLang="en-US" dirty="0"/>
+              <a:t>。该计划将在太阳同步轨道部署三个卫星组成等边三角形阵列。</a:t>
+            </a:r>
+          </a:p>
+        </p:txBody>
+      </p:sp>
+      <p:pic>
+        <p:nvPicPr>
+          <p:cNvPr id="4" name="图片 3">
+            <a:extLst>
+              <a:ext uri="{FF2B5EF4-FFF2-40B4-BE49-F238E27FC236}">
+                <a16:creationId xmlns:a16="http://schemas.microsoft.com/office/drawing/2014/main" id="{AB9C1095-0A81-452E-9387-5A6FD8E25F5C}"/>
+              </a:ext>
+            </a:extLst>
+          </p:cNvPr>
+          <p:cNvPicPr/>
+          <p:nvPr/>
+        </p:nvPicPr>
+        <p:blipFill>
+          <a:blip r:embed="rId2" cstate="print">
+            <a:extLst>
+              <a:ext uri="{28A0092B-C50C-407E-A947-70E740481C1C}">
+                <a14:useLocalDpi xmlns:a14="http://schemas.microsoft.com/office/drawing/2010/main" val="0"/>
+              </a:ext>
+            </a:extLst>
+          </a:blip>
+          <a:srcRect/>
+          <a:stretch>
+            <a:fillRect/>
+          </a:stretch>
+        </p:blipFill>
+        <p:spPr>
+          <a:xfrm>
+            <a:off x="3023762" y="2671818"/>
+            <a:ext cx="3599815" cy="1799590"/>
+          </a:xfrm>
+          <a:prstGeom prst="rect">
+            <a:avLst/>
+          </a:prstGeom>
+          <a:noFill/>
+          <a:ln>
+            <a:noFill/>
+          </a:ln>
+        </p:spPr>
+      </p:pic>
+      <p:sp>
+        <p:nvSpPr>
+          <p:cNvPr id="5" name="文本框 4">
+            <a:extLst>
+              <a:ext uri="{FF2B5EF4-FFF2-40B4-BE49-F238E27FC236}">
+                <a16:creationId xmlns:a16="http://schemas.microsoft.com/office/drawing/2014/main" id="{74A41725-FD1C-4B77-AD78-AD5882948628}"/>
+              </a:ext>
+            </a:extLst>
+          </p:cNvPr>
+          <p:cNvSpPr txBox="1"/>
+          <p:nvPr/>
+        </p:nvSpPr>
+        <p:spPr>
+          <a:xfrm>
+            <a:off x="645952" y="4995320"/>
+            <a:ext cx="7256477" cy="646331"/>
+          </a:xfrm>
+          <a:prstGeom prst="rect">
+            <a:avLst/>
+          </a:prstGeom>
+          <a:noFill/>
+        </p:spPr>
+        <p:txBody>
+          <a:bodyPr wrap="square" rtlCol="0">
+            <a:spAutoFit/>
+          </a:bodyPr>
+          <a:lstStyle/>
+          <a:p>
+            <a:r>
+              <a:rPr lang="zh-CN" altLang="en-US" dirty="0"/>
+              <a:t>多个探测计划所针对的引力波波源和波频段各不相同，在引力波探测上相互补充。</a:t>
+            </a:r>
+          </a:p>
+        </p:txBody>
+      </p:sp>
+    </p:spTree>
+    <p:extLst>
+      <p:ext uri="{BB962C8B-B14F-4D97-AF65-F5344CB8AC3E}">
+        <p14:creationId xmlns:p14="http://schemas.microsoft.com/office/powerpoint/2010/main" val="1141278227"/>
+      </p:ext>
+    </p:extLst>
+  </p:cSld>
+  <p:clrMapOvr>
+    <a:masterClrMapping/>
+  </p:clrMapOvr>
+</p:sld>
+</file>
+
+<file path=ppt/slides/slide8.xml><?xml version="1.0" encoding="utf-8"?>
+<p:sld xmlns:a="http://schemas.openxmlformats.org/drawingml/2006/main" xmlns:r="http://schemas.openxmlformats.org/officeDocument/2006/relationships" xmlns:p="http://schemas.openxmlformats.org/presentationml/2006/main">
+  <p:cSld>
+    <p:spTree>
+      <p:nvGrpSpPr>
+        <p:cNvPr id="1" name=""/>
+        <p:cNvGrpSpPr/>
+        <p:nvPr/>
+      </p:nvGrpSpPr>
+      <p:grpSpPr>
+        <a:xfrm>
+          <a:off x="0" y="0"/>
+          <a:ext cx="0" cy="0"/>
+          <a:chOff x="0" y="0"/>
+          <a:chExt cx="0" cy="0"/>
+        </a:xfrm>
+      </p:grpSpPr>
+      <p:sp>
+        <p:nvSpPr>
+          <p:cNvPr id="2" name="标题 1">
+            <a:extLst>
+              <a:ext uri="{FF2B5EF4-FFF2-40B4-BE49-F238E27FC236}">
+                <a16:creationId xmlns:a16="http://schemas.microsoft.com/office/drawing/2014/main" id="{574B18C7-110F-476A-9011-18B815D44325}"/>
+              </a:ext>
+            </a:extLst>
+          </p:cNvPr>
+          <p:cNvSpPr>
+            <a:spLocks noGrp="1"/>
+          </p:cNvSpPr>
+          <p:nvPr>
+            <p:ph type="title"/>
+          </p:nvPr>
+        </p:nvSpPr>
+        <p:spPr/>
+        <p:txBody>
+          <a:bodyPr/>
+          <a:lstStyle/>
+          <a:p>
+            <a:r>
+              <a:rPr lang="zh-CN" altLang="en-US" dirty="0"/>
+              <a:t>星间指向</a:t>
+            </a:r>
+          </a:p>
+        </p:txBody>
+      </p:sp>
+      <p:sp>
+        <p:nvSpPr>
+          <p:cNvPr id="3" name="文本框 2">
+            <a:extLst>
+              <a:ext uri="{FF2B5EF4-FFF2-40B4-BE49-F238E27FC236}">
+                <a16:creationId xmlns:a16="http://schemas.microsoft.com/office/drawing/2014/main" id="{FF35556E-AA45-47D2-AE9A-E81A78DB77D7}"/>
+              </a:ext>
+            </a:extLst>
+          </p:cNvPr>
+          <p:cNvSpPr txBox="1"/>
+          <p:nvPr/>
+        </p:nvSpPr>
+        <p:spPr>
+          <a:xfrm>
+            <a:off x="469784" y="1535077"/>
+            <a:ext cx="7810150" cy="2031325"/>
+          </a:xfrm>
+          <a:prstGeom prst="rect">
+            <a:avLst/>
+          </a:prstGeom>
+          <a:noFill/>
+        </p:spPr>
+        <p:txBody>
+          <a:bodyPr wrap="square" rtlCol="0">
+            <a:spAutoFit/>
+          </a:bodyPr>
+          <a:lstStyle/>
+          <a:p>
+            <a:r>
+              <a:rPr lang="zh-CN" altLang="en-US" dirty="0"/>
+              <a:t>卫星在太空中需要形成等腰三角形编队。需要星间指向技术对卫星的出射光做精确的调控。</a:t>
+            </a:r>
+            <a:endParaRPr lang="en-US" altLang="zh-CN" dirty="0"/>
+          </a:p>
+          <a:p>
+            <a:endParaRPr lang="en-US" altLang="zh-CN" dirty="0"/>
+          </a:p>
+          <a:p>
+            <a:r>
+              <a:rPr lang="zh-CN" altLang="en-US" dirty="0"/>
+              <a:t>在</a:t>
+            </a:r>
+            <a:r>
+              <a:rPr lang="en-US" altLang="zh-CN" dirty="0"/>
+              <a:t>Grace follow-on</a:t>
+            </a:r>
+            <a:r>
+              <a:rPr lang="zh-CN" altLang="en-US" dirty="0"/>
+              <a:t>任务中，卫星通过三个电磁转矩控制姿态。而这种指向控制满足微波测距的要求，因为微波的光束发散角非常小且视场非常大。但是这种控制的精度无法达到激光干涉仪的要求。所以要在卫星内部实现光束的指向控制</a:t>
+            </a:r>
+          </a:p>
+        </p:txBody>
+      </p:sp>
+      <p:pic>
+        <p:nvPicPr>
+          <p:cNvPr id="5" name="图片 4">
+            <a:extLst>
+              <a:ext uri="{FF2B5EF4-FFF2-40B4-BE49-F238E27FC236}">
+                <a16:creationId xmlns:a16="http://schemas.microsoft.com/office/drawing/2014/main" id="{AD479F3C-E178-4E00-BFED-F3E0CB582118}"/>
+              </a:ext>
+            </a:extLst>
+          </p:cNvPr>
+          <p:cNvPicPr>
+            <a:picLocks noChangeAspect="1"/>
+          </p:cNvPicPr>
+          <p:nvPr/>
+        </p:nvPicPr>
+        <p:blipFill>
+          <a:blip r:embed="rId2"/>
+          <a:stretch>
+            <a:fillRect/>
+          </a:stretch>
+        </p:blipFill>
+        <p:spPr>
+          <a:xfrm>
+            <a:off x="2595998" y="3294776"/>
+            <a:ext cx="4086225" cy="3162300"/>
+          </a:xfrm>
+          <a:prstGeom prst="rect">
+            <a:avLst/>
+          </a:prstGeom>
+        </p:spPr>
+      </p:pic>
+    </p:spTree>
+    <p:extLst>
+      <p:ext uri="{BB962C8B-B14F-4D97-AF65-F5344CB8AC3E}">
+        <p14:creationId xmlns:p14="http://schemas.microsoft.com/office/powerpoint/2010/main" val="501980570"/>
+      </p:ext>
+    </p:extLst>
+  </p:cSld>
+  <p:clrMapOvr>
+    <a:masterClrMapping/>
+  </p:clrMapOvr>
+</p:sld>
+</file>
+
+<file path=ppt/slides/slide9.xml><?xml version="1.0" encoding="utf-8"?>
+<p:sld xmlns:a="http://schemas.openxmlformats.org/drawingml/2006/main" xmlns:r="http://schemas.openxmlformats.org/officeDocument/2006/relationships" xmlns:p="http://schemas.openxmlformats.org/presentationml/2006/main">
+  <p:cSld>
+    <p:spTree>
+      <p:nvGrpSpPr>
+        <p:cNvPr id="1" name=""/>
+        <p:cNvGrpSpPr/>
+        <p:nvPr/>
+      </p:nvGrpSpPr>
+      <p:grpSpPr>
+        <a:xfrm>
+          <a:off x="0" y="0"/>
+          <a:ext cx="0" cy="0"/>
+          <a:chOff x="0" y="0"/>
+          <a:chExt cx="0" cy="0"/>
+        </a:xfrm>
+      </p:grpSpPr>
+      <p:sp>
+        <p:nvSpPr>
+          <p:cNvPr id="2" name="标题 1">
+            <a:extLst>
+              <a:ext uri="{FF2B5EF4-FFF2-40B4-BE49-F238E27FC236}">
                 <a16:creationId xmlns:a16="http://schemas.microsoft.com/office/drawing/2014/main" id="{99803E1B-19D6-49B3-B5DC-A1DCD3046C2E}"/>
               </a:ext>
             </a:extLst>
@@ -8987,10 +13151,121 @@
           <a:bodyPr/>
           <a:lstStyle/>
           <a:p>
-            <a:endParaRPr lang="zh-CN" altLang="en-US"/>
-          </a:p>
-        </p:txBody>
-      </p:sp>
+            <a:r>
+              <a:rPr lang="zh-CN" altLang="en-US" dirty="0"/>
+              <a:t>差分波前传感</a:t>
+            </a:r>
+          </a:p>
+        </p:txBody>
+      </p:sp>
+      <p:sp>
+        <p:nvSpPr>
+          <p:cNvPr id="3" name="文本框 2">
+            <a:extLst>
+              <a:ext uri="{FF2B5EF4-FFF2-40B4-BE49-F238E27FC236}">
+                <a16:creationId xmlns:a16="http://schemas.microsoft.com/office/drawing/2014/main" id="{1DE0D24F-3139-40D4-B9C5-E4FEBF02C3A9}"/>
+              </a:ext>
+            </a:extLst>
+          </p:cNvPr>
+          <p:cNvSpPr txBox="1"/>
+          <p:nvPr/>
+        </p:nvSpPr>
+        <p:spPr>
+          <a:xfrm>
+            <a:off x="750385" y="1325462"/>
+            <a:ext cx="6920917" cy="369332"/>
+          </a:xfrm>
+          <a:prstGeom prst="rect">
+            <a:avLst/>
+          </a:prstGeom>
+          <a:noFill/>
+        </p:spPr>
+        <p:txBody>
+          <a:bodyPr wrap="square" rtlCol="0">
+            <a:spAutoFit/>
+          </a:bodyPr>
+          <a:lstStyle/>
+          <a:p>
+            <a:r>
+              <a:rPr lang="zh-CN" altLang="en-US" dirty="0"/>
+              <a:t>差分波前传感技术是比较有名的测量相对波前形状的技术</a:t>
+            </a:r>
+          </a:p>
+        </p:txBody>
+      </p:sp>
+      <p:sp>
+        <p:nvSpPr>
+          <p:cNvPr id="4" name="文本框 3">
+            <a:extLst>
+              <a:ext uri="{FF2B5EF4-FFF2-40B4-BE49-F238E27FC236}">
+                <a16:creationId xmlns:a16="http://schemas.microsoft.com/office/drawing/2014/main" id="{A7C676A5-86B5-425B-ACFA-66B2F9C5EB71}"/>
+              </a:ext>
+            </a:extLst>
+          </p:cNvPr>
+          <p:cNvSpPr txBox="1"/>
+          <p:nvPr/>
+        </p:nvSpPr>
+        <p:spPr>
+          <a:xfrm>
+            <a:off x="809108" y="1937857"/>
+            <a:ext cx="7197754" cy="646331"/>
+          </a:xfrm>
+          <a:prstGeom prst="rect">
+            <a:avLst/>
+          </a:prstGeom>
+          <a:noFill/>
+        </p:spPr>
+        <p:txBody>
+          <a:bodyPr wrap="square" rtlCol="0">
+            <a:spAutoFit/>
+          </a:bodyPr>
+          <a:lstStyle/>
+          <a:p>
+            <a:r>
+              <a:rPr lang="zh-CN" altLang="en-US" dirty="0"/>
+              <a:t>差分波前传感技术在</a:t>
+            </a:r>
+            <a:r>
+              <a:rPr lang="en-US" altLang="zh-CN" dirty="0"/>
+              <a:t>1994</a:t>
+            </a:r>
+            <a:r>
+              <a:rPr lang="zh-CN" altLang="en-US" dirty="0"/>
+              <a:t>年被提出，主要用于解决激光干涉仪由于没有正确安装机械装置产生的光束不共线干涉问题</a:t>
+            </a:r>
+          </a:p>
+        </p:txBody>
+      </p:sp>
+      <p:pic>
+        <p:nvPicPr>
+          <p:cNvPr id="5" name="图片 4">
+            <a:extLst>
+              <a:ext uri="{FF2B5EF4-FFF2-40B4-BE49-F238E27FC236}">
+                <a16:creationId xmlns:a16="http://schemas.microsoft.com/office/drawing/2014/main" id="{941D8E4F-188A-4F95-907B-93918725B54D}"/>
+              </a:ext>
+            </a:extLst>
+          </p:cNvPr>
+          <p:cNvPicPr>
+            <a:picLocks noChangeAspect="1"/>
+          </p:cNvPicPr>
+          <p:nvPr/>
+        </p:nvPicPr>
+        <p:blipFill>
+          <a:blip r:embed="rId2"/>
+          <a:stretch>
+            <a:fillRect/>
+          </a:stretch>
+        </p:blipFill>
+        <p:spPr>
+          <a:xfrm>
+            <a:off x="1317341" y="2584188"/>
+            <a:ext cx="6181288" cy="2937444"/>
+          </a:xfrm>
+          <a:prstGeom prst="rect">
+            <a:avLst/>
+          </a:prstGeom>
+        </p:spPr>
+      </p:pic>
     </p:spTree>
     <p:extLst>
       <p:ext uri="{BB962C8B-B14F-4D97-AF65-F5344CB8AC3E}">
